--- a/Базы.pptx
+++ b/Базы.pptx
@@ -5,10 +5,10 @@
     <p:sldMasterId id="2147483684" r:id="rId1"/>
   </p:sldMasterIdLst>
   <p:notesMasterIdLst>
-    <p:notesMasterId r:id="rId31"/>
+    <p:notesMasterId r:id="rId33"/>
   </p:notesMasterIdLst>
   <p:handoutMasterIdLst>
-    <p:handoutMasterId r:id="rId32"/>
+    <p:handoutMasterId r:id="rId34"/>
   </p:handoutMasterIdLst>
   <p:sldIdLst>
     <p:sldId id="286" r:id="rId2"/>
@@ -28,18 +28,20 @@
     <p:sldId id="270" r:id="rId16"/>
     <p:sldId id="271" r:id="rId17"/>
     <p:sldId id="272" r:id="rId18"/>
-    <p:sldId id="274" r:id="rId19"/>
-    <p:sldId id="275" r:id="rId20"/>
-    <p:sldId id="276" r:id="rId21"/>
-    <p:sldId id="277" r:id="rId22"/>
-    <p:sldId id="278" r:id="rId23"/>
-    <p:sldId id="279" r:id="rId24"/>
-    <p:sldId id="280" r:id="rId25"/>
-    <p:sldId id="282" r:id="rId26"/>
-    <p:sldId id="283" r:id="rId27"/>
-    <p:sldId id="284" r:id="rId28"/>
-    <p:sldId id="285" r:id="rId29"/>
-    <p:sldId id="281" r:id="rId30"/>
+    <p:sldId id="287" r:id="rId19"/>
+    <p:sldId id="288" r:id="rId20"/>
+    <p:sldId id="274" r:id="rId21"/>
+    <p:sldId id="275" r:id="rId22"/>
+    <p:sldId id="276" r:id="rId23"/>
+    <p:sldId id="277" r:id="rId24"/>
+    <p:sldId id="278" r:id="rId25"/>
+    <p:sldId id="279" r:id="rId26"/>
+    <p:sldId id="280" r:id="rId27"/>
+    <p:sldId id="282" r:id="rId28"/>
+    <p:sldId id="283" r:id="rId29"/>
+    <p:sldId id="284" r:id="rId30"/>
+    <p:sldId id="285" r:id="rId31"/>
+    <p:sldId id="281" r:id="rId32"/>
   </p:sldIdLst>
   <p:sldSz cx="12192000" cy="6858000"/>
   <p:notesSz cx="6858000" cy="9144000"/>
@@ -142,6 +144,9 @@
     <p:ext uri="{EFAFB233-063F-42B5-8137-9DF3F51BA10A}">
       <p15:sldGuideLst xmlns:p15="http://schemas.microsoft.com/office/powerpoint/2012/main"/>
     </p:ext>
+    <p:ext uri="{2D200454-40CA-4A62-9FC3-DE9A4176ACB9}">
+      <p15:notesGuideLst xmlns:p15="http://schemas.microsoft.com/office/powerpoint/2012/main"/>
+    </p:ext>
   </p:extLst>
 </p:presentation>
 </file>
@@ -240,7 +245,7 @@
           <a:p>
             <a:fld id="{2F514057-EE26-7944-AD68-9A1A02224AF0}" type="datetimeFigureOut">
               <a:rPr lang="ru-RU" smtClean="0"/>
-              <a:t>04.03.2024</a:t>
+              <a:t>17.03.2025</a:t>
             </a:fld>
             <a:endParaRPr lang="ru-RU"/>
           </a:p>
@@ -417,7 +422,7 @@
           <a:p>
             <a:fld id="{522AB4B1-64A4-EC4C-9AFA-B6DD14C3D4C6}" type="datetimeFigureOut">
               <a:rPr lang="ru-RU" smtClean="0"/>
-              <a:t>04.03.2024</a:t>
+              <a:t>17.03.2025</a:t>
             </a:fld>
             <a:endParaRPr lang="ru-RU"/>
           </a:p>
@@ -829,7 +834,7 @@
           <a:p>
             <a:fld id="{C5C0AE2F-59CD-4043-801D-D6EC867E8EB9}" type="datetimeFigureOut">
               <a:rPr lang="ru-RU" smtClean="0"/>
-              <a:t>04.03.2024</a:t>
+              <a:t>17.03.2025</a:t>
             </a:fld>
             <a:endParaRPr lang="ru-RU"/>
           </a:p>
@@ -1197,7 +1202,7 @@
           <a:p>
             <a:fld id="{E5B22663-F43A-4610-80B7-87FE109BAE06}" type="datetimeFigureOut">
               <a:rPr lang="en-US" smtClean="0"/>
-              <a:t>3/4/24</a:t>
+              <a:t>3/17/25</a:t>
             </a:fld>
             <a:endParaRPr lang="en-US"/>
           </a:p>
@@ -1386,7 +1391,7 @@
           <a:p>
             <a:fld id="{E5B22663-F43A-4610-80B7-87FE109BAE06}" type="datetimeFigureOut">
               <a:rPr lang="en-US" smtClean="0"/>
-              <a:t>3/4/24</a:t>
+              <a:t>3/17/25</a:t>
             </a:fld>
             <a:endParaRPr lang="en-US"/>
           </a:p>
@@ -1468,7 +1473,7 @@
         <p:nvSpPr>
           <p:cNvPr id="2" name="Заголовок 1"/>
           <p:cNvSpPr>
-            <a:spLocks/>
+            <a:spLocks noGrp="1"/>
           </p:cNvSpPr>
           <p:nvPr>
             <p:ph type="ctrTitle" hasCustomPrompt="1"/>
@@ -1527,7 +1532,7 @@
           <a:p>
             <a:fld id="{E5B22663-F43A-4610-80B7-87FE109BAE06}" type="datetimeFigureOut">
               <a:rPr lang="en-US" smtClean="0"/>
-              <a:t>3/4/24</a:t>
+              <a:t>3/17/25</a:t>
             </a:fld>
             <a:endParaRPr lang="en-US"/>
           </a:p>
@@ -1869,7 +1874,7 @@
           <a:p>
             <a:fld id="{E5B22663-F43A-4610-80B7-87FE109BAE06}" type="datetimeFigureOut">
               <a:rPr lang="en-US" smtClean="0"/>
-              <a:t>3/4/24</a:t>
+              <a:t>3/17/25</a:t>
             </a:fld>
             <a:endParaRPr lang="en-US"/>
           </a:p>
@@ -2125,7 +2130,7 @@
           <a:p>
             <a:fld id="{E5B22663-F43A-4610-80B7-87FE109BAE06}" type="datetimeFigureOut">
               <a:rPr lang="en-US" smtClean="0"/>
-              <a:t>3/4/24</a:t>
+              <a:t>3/17/25</a:t>
             </a:fld>
             <a:endParaRPr lang="en-US"/>
           </a:p>
@@ -2370,7 +2375,7 @@
           <a:p>
             <a:fld id="{E5B22663-F43A-4610-80B7-87FE109BAE06}" type="datetimeFigureOut">
               <a:rPr lang="en-US" smtClean="0"/>
-              <a:t>3/4/24</a:t>
+              <a:t>3/17/25</a:t>
             </a:fld>
             <a:endParaRPr lang="en-US"/>
           </a:p>
@@ -2745,7 +2750,7 @@
           <a:p>
             <a:fld id="{E5B22663-F43A-4610-80B7-87FE109BAE06}" type="datetimeFigureOut">
               <a:rPr lang="en-US" smtClean="0"/>
-              <a:t>3/4/24</a:t>
+              <a:t>3/17/25</a:t>
             </a:fld>
             <a:endParaRPr lang="en-US"/>
           </a:p>
@@ -2878,7 +2883,7 @@
           <a:p>
             <a:fld id="{E5B22663-F43A-4610-80B7-87FE109BAE06}" type="datetimeFigureOut">
               <a:rPr lang="en-US" smtClean="0"/>
-              <a:t>3/4/24</a:t>
+              <a:t>3/17/25</a:t>
             </a:fld>
             <a:endParaRPr lang="en-US"/>
           </a:p>
@@ -2981,7 +2986,7 @@
           <a:p>
             <a:fld id="{E5B22663-F43A-4610-80B7-87FE109BAE06}" type="datetimeFigureOut">
               <a:rPr lang="en-US" smtClean="0"/>
-              <a:t>3/4/24</a:t>
+              <a:t>3/17/25</a:t>
             </a:fld>
             <a:endParaRPr lang="en-US"/>
           </a:p>
@@ -3267,7 +3272,7 @@
           <a:p>
             <a:fld id="{E5B22663-F43A-4610-80B7-87FE109BAE06}" type="datetimeFigureOut">
               <a:rPr lang="en-US" smtClean="0"/>
-              <a:t>3/4/24</a:t>
+              <a:t>3/17/25</a:t>
             </a:fld>
             <a:endParaRPr lang="en-US"/>
           </a:p>
@@ -3533,7 +3538,7 @@
           <a:p>
             <a:fld id="{E5B22663-F43A-4610-80B7-87FE109BAE06}" type="datetimeFigureOut">
               <a:rPr lang="en-US" smtClean="0"/>
-              <a:t>3/4/24</a:t>
+              <a:t>3/17/25</a:t>
             </a:fld>
             <a:endParaRPr lang="en-US"/>
           </a:p>
@@ -3871,7 +3876,7 @@
           <a:p>
             <a:fld id="{C5C0AE2F-59CD-4043-801D-D6EC867E8EB9}" type="datetimeFigureOut">
               <a:rPr lang="ru-RU" smtClean="0"/>
-              <a:t>04.03.2024</a:t>
+              <a:t>17.03.2025</a:t>
             </a:fld>
             <a:endParaRPr lang="ru-RU"/>
           </a:p>
@@ -5673,7 +5678,13 @@
   <p:cSld>
     <p:spTree>
       <p:nvGrpSpPr>
-        <p:cNvPr id="1" name=""/>
+        <p:cNvPr id="1" name="">
+          <a:extLst>
+            <a:ext uri="{FF2B5EF4-FFF2-40B4-BE49-F238E27FC236}">
+              <a16:creationId xmlns:a16="http://schemas.microsoft.com/office/drawing/2014/main" id="{F3042740-0831-8BAE-CD5D-FADD4F3C7631}"/>
+            </a:ext>
+          </a:extLst>
+        </p:cNvPr>
         <p:cNvGrpSpPr/>
         <p:nvPr/>
       </p:nvGrpSpPr>
@@ -5690,7 +5701,7 @@
           <p:cNvPr id="2" name="Title 1">
             <a:extLst>
               <a:ext uri="{FF2B5EF4-FFF2-40B4-BE49-F238E27FC236}">
-                <a16:creationId xmlns:a16="http://schemas.microsoft.com/office/drawing/2014/main" id="{47C2523B-489C-4F40-95C6-4B0B98AEA306}"/>
+                <a16:creationId xmlns:a16="http://schemas.microsoft.com/office/drawing/2014/main" id="{CCEF435F-EEE2-F1D2-446E-8742E96FE776}"/>
               </a:ext>
             </a:extLst>
           </p:cNvPr>
@@ -5701,118 +5712,38 @@
             <p:ph type="title"/>
           </p:nvPr>
         </p:nvSpPr>
-        <p:spPr/>
+        <p:spPr>
+          <a:xfrm>
+            <a:off x="838200" y="180000"/>
+            <a:ext cx="10515600" cy="1325563"/>
+          </a:xfrm>
+        </p:spPr>
         <p:txBody>
           <a:bodyPr/>
           <a:lstStyle/>
           <a:p>
             <a:r>
-              <a:rPr lang="en-US" dirty="0">
-                <a:solidFill>
-                  <a:srgbClr val="003399"/>
-                </a:solidFill>
-              </a:rPr>
-              <a:t>Callable Statements</a:t>
-            </a:r>
-          </a:p>
-        </p:txBody>
-      </p:sp>
-      <p:sp>
-        <p:nvSpPr>
-          <p:cNvPr id="3" name="Content Placeholder 2">
-            <a:extLst>
-              <a:ext uri="{FF2B5EF4-FFF2-40B4-BE49-F238E27FC236}">
-                <a16:creationId xmlns:a16="http://schemas.microsoft.com/office/drawing/2014/main" id="{5209A7C4-3D8F-48DB-BD94-B835E20D90BF}"/>
-              </a:ext>
-            </a:extLst>
-          </p:cNvPr>
-          <p:cNvSpPr>
-            <a:spLocks noGrp="1"/>
-          </p:cNvSpPr>
-          <p:nvPr>
-            <p:ph idx="1"/>
-          </p:nvPr>
-        </p:nvSpPr>
-        <p:spPr/>
-        <p:txBody>
-          <a:bodyPr>
-            <a:normAutofit fontScale="92500"/>
-          </a:bodyPr>
-          <a:lstStyle/>
-          <a:p>
-            <a:pPr marL="0" indent="0">
-              <a:buNone/>
-            </a:pPr>
+              <a:rPr lang="en-US" dirty="0" err="1">
+                <a:solidFill>
+                  <a:srgbClr val="003399"/>
+                </a:solidFill>
+              </a:rPr>
+              <a:t>PreparedStatements</a:t>
+            </a:r>
             <a:endParaRPr lang="en-US" dirty="0">
               <a:solidFill>
                 <a:srgbClr val="003399"/>
               </a:solidFill>
             </a:endParaRPr>
           </a:p>
-          <a:p>
-            <a:pPr marL="0" indent="0">
-              <a:buNone/>
-            </a:pPr>
-            <a:endParaRPr lang="en-US" dirty="0">
-              <a:solidFill>
-                <a:srgbClr val="003399"/>
-              </a:solidFill>
-            </a:endParaRPr>
-          </a:p>
-          <a:p>
-            <a:pPr marL="0" indent="0">
-              <a:buNone/>
-            </a:pPr>
-            <a:endParaRPr lang="en-US" dirty="0">
-              <a:solidFill>
-                <a:srgbClr val="003399"/>
-              </a:solidFill>
-            </a:endParaRPr>
-          </a:p>
-          <a:p>
-            <a:r>
-              <a:rPr lang="en" dirty="0" err="1">
-                <a:solidFill>
-                  <a:srgbClr val="003399"/>
-                </a:solidFill>
-              </a:rPr>
-              <a:t>CallableStatement</a:t>
-            </a:r>
-            <a:r>
-              <a:rPr lang="en" dirty="0">
-                <a:solidFill>
-                  <a:srgbClr val="003399"/>
-                </a:solidFill>
-              </a:rPr>
-              <a:t> </a:t>
-            </a:r>
-            <a:r>
-              <a:rPr lang="ru-RU" dirty="0">
-                <a:solidFill>
-                  <a:srgbClr val="003399"/>
-                </a:solidFill>
-              </a:rPr>
-              <a:t>используется для вызова хранимых процедур в базе данных.</a:t>
-            </a:r>
-          </a:p>
-          <a:p>
-            <a:r>
-              <a:rPr lang="ru-RU" dirty="0">
-                <a:solidFill>
-                  <a:srgbClr val="003399"/>
-                </a:solidFill>
-              </a:rPr>
-              <a:t>Хранимая процедура похожа на функцию или метод в классе, за исключением того, что она находится в базе данных. Некоторые тяжелые операции с базой данных могут выиграть в производительности от выполнения в том же пространстве памяти, что и сервер базы данных, в качестве хранимой процедуры.</a:t>
-            </a:r>
-          </a:p>
         </p:txBody>
       </p:sp>
       <p:pic>
         <p:nvPicPr>
-          <p:cNvPr id="5" name="Рисунок 4" descr="Изображение выглядит как текст&#10;&#10;Автоматически созданное описание">
+          <p:cNvPr id="4" name="Рисунок 3">
             <a:extLst>
               <a:ext uri="{FF2B5EF4-FFF2-40B4-BE49-F238E27FC236}">
-                <a16:creationId xmlns:a16="http://schemas.microsoft.com/office/drawing/2014/main" id="{7A654497-9DA3-DE80-69CA-E94F0AE819B1}"/>
+                <a16:creationId xmlns:a16="http://schemas.microsoft.com/office/drawing/2014/main" id="{6A74F9BD-273E-B9D0-E822-6B7A6A741777}"/>
               </a:ext>
             </a:extLst>
           </p:cNvPr>
@@ -5822,21 +5753,45 @@
           <p:nvPr/>
         </p:nvPicPr>
         <p:blipFill>
-          <a:blip r:embed="rId2">
-            <a:extLst>
-              <a:ext uri="{28A0092B-C50C-407E-A947-70E740481C1C}">
-                <a14:useLocalDpi xmlns:a14="http://schemas.microsoft.com/office/drawing/2010/main" val="0"/>
-              </a:ext>
-            </a:extLst>
-          </a:blip>
+          <a:blip r:embed="rId2"/>
           <a:stretch>
             <a:fillRect/>
           </a:stretch>
         </p:blipFill>
         <p:spPr>
           <a:xfrm>
-            <a:off x="2053361" y="1584670"/>
-            <a:ext cx="8085278" cy="1450077"/>
+            <a:off x="838200" y="1383013"/>
+            <a:ext cx="7772400" cy="2045987"/>
+          </a:xfrm>
+          <a:prstGeom prst="rect">
+            <a:avLst/>
+          </a:prstGeom>
+        </p:spPr>
+      </p:pic>
+      <p:pic>
+        <p:nvPicPr>
+          <p:cNvPr id="7" name="Рисунок 6">
+            <a:extLst>
+              <a:ext uri="{FF2B5EF4-FFF2-40B4-BE49-F238E27FC236}">
+                <a16:creationId xmlns:a16="http://schemas.microsoft.com/office/drawing/2014/main" id="{1EA94AAF-97AA-7441-42C3-E750558723FA}"/>
+              </a:ext>
+            </a:extLst>
+          </p:cNvPr>
+          <p:cNvPicPr>
+            <a:picLocks noChangeAspect="1"/>
+          </p:cNvPicPr>
+          <p:nvPr/>
+        </p:nvPicPr>
+        <p:blipFill>
+          <a:blip r:embed="rId3"/>
+          <a:stretch>
+            <a:fillRect/>
+          </a:stretch>
+        </p:blipFill>
+        <p:spPr>
+          <a:xfrm>
+            <a:off x="838200" y="4632013"/>
+            <a:ext cx="7772400" cy="1460516"/>
           </a:xfrm>
           <a:prstGeom prst="rect">
             <a:avLst/>
@@ -5846,7 +5801,7 @@
     </p:spTree>
     <p:extLst>
       <p:ext uri="{BB962C8B-B14F-4D97-AF65-F5344CB8AC3E}">
-        <p14:creationId xmlns:p14="http://schemas.microsoft.com/office/powerpoint/2010/main" val="3642423332"/>
+        <p14:creationId xmlns:p14="http://schemas.microsoft.com/office/powerpoint/2010/main" val="3347021257"/>
       </p:ext>
     </p:extLst>
   </p:cSld>
@@ -5861,7 +5816,13 @@
   <p:cSld>
     <p:spTree>
       <p:nvGrpSpPr>
-        <p:cNvPr id="1" name=""/>
+        <p:cNvPr id="1" name="">
+          <a:extLst>
+            <a:ext uri="{FF2B5EF4-FFF2-40B4-BE49-F238E27FC236}">
+              <a16:creationId xmlns:a16="http://schemas.microsoft.com/office/drawing/2014/main" id="{F7C3065A-80E2-C53D-8FA3-CC331A9ACC6C}"/>
+            </a:ext>
+          </a:extLst>
+        </p:cNvPr>
         <p:cNvGrpSpPr/>
         <p:nvPr/>
       </p:nvGrpSpPr>
@@ -5878,7 +5839,7 @@
           <p:cNvPr id="2" name="Title 1">
             <a:extLst>
               <a:ext uri="{FF2B5EF4-FFF2-40B4-BE49-F238E27FC236}">
-                <a16:creationId xmlns:a16="http://schemas.microsoft.com/office/drawing/2014/main" id="{47C2523B-489C-4F40-95C6-4B0B98AEA306}"/>
+                <a16:creationId xmlns:a16="http://schemas.microsoft.com/office/drawing/2014/main" id="{D7A966D5-B120-4A8D-B869-A484E486D9E4}"/>
               </a:ext>
             </a:extLst>
           </p:cNvPr>
@@ -5895,40 +5856,12 @@
           <a:lstStyle/>
           <a:p>
             <a:r>
-              <a:rPr lang="en" u="none" strike="noStrike" dirty="0" err="1">
-                <a:solidFill>
-                  <a:srgbClr val="003399"/>
-                </a:solidFill>
-                <a:effectLst/>
-              </a:rPr>
-              <a:t>DataSource</a:t>
-            </a:r>
-            <a:r>
-              <a:rPr lang="en" u="none" strike="noStrike" dirty="0">
-                <a:solidFill>
-                  <a:srgbClr val="003399"/>
-                </a:solidFill>
-                <a:effectLst/>
-              </a:rPr>
-              <a:t> </a:t>
-            </a:r>
-            <a:r>
-              <a:rPr lang="ru-RU" u="none" strike="noStrike" dirty="0">
-                <a:solidFill>
-                  <a:srgbClr val="003399"/>
-                </a:solidFill>
-                <a:effectLst/>
-              </a:rPr>
-              <a:t>и </a:t>
-            </a:r>
-            <a:r>
-              <a:rPr lang="en" u="none" strike="noStrike" dirty="0" err="1">
-                <a:solidFill>
-                  <a:srgbClr val="003399"/>
-                </a:solidFill>
-                <a:effectLst/>
-              </a:rPr>
-              <a:t>ConnectionPoolDataSource</a:t>
+              <a:rPr lang="en-US" dirty="0" err="1">
+                <a:solidFill>
+                  <a:srgbClr val="003399"/>
+                </a:solidFill>
+              </a:rPr>
+              <a:t>PreparedStatements</a:t>
             </a:r>
             <a:endParaRPr lang="en-US" dirty="0">
               <a:solidFill>
@@ -5943,7 +5876,7 @@
           <p:cNvPr id="3" name="Content Placeholder 2">
             <a:extLst>
               <a:ext uri="{FF2B5EF4-FFF2-40B4-BE49-F238E27FC236}">
-                <a16:creationId xmlns:a16="http://schemas.microsoft.com/office/drawing/2014/main" id="{5209A7C4-3D8F-48DB-BD94-B835E20D90BF}"/>
+                <a16:creationId xmlns:a16="http://schemas.microsoft.com/office/drawing/2014/main" id="{8DF2E685-C470-FABA-07FE-37C4A8A9D42B}"/>
               </a:ext>
             </a:extLst>
           </p:cNvPr>
@@ -5956,179 +5889,130 @@
         </p:nvSpPr>
         <p:spPr/>
         <p:txBody>
-          <a:bodyPr>
-            <a:normAutofit/>
-          </a:bodyPr>
+          <a:bodyPr/>
           <a:lstStyle/>
           <a:p>
-            <a:pPr algn="l"/>
-            <a:r>
-              <a:rPr lang="ru-RU" sz="2600" b="0" i="0" u="none" strike="noStrike" dirty="0">
-                <a:solidFill>
-                  <a:srgbClr val="003399"/>
-                </a:solidFill>
-                <a:effectLst/>
-                <a:latin typeface="+mj-lt"/>
-              </a:rPr>
-              <a:t>Оба интерфейса входят в пакет </a:t>
-            </a:r>
-            <a:r>
-              <a:rPr lang="en" sz="2600" b="0" i="0" u="none" strike="noStrike" dirty="0" err="1">
-                <a:solidFill>
-                  <a:srgbClr val="003399"/>
-                </a:solidFill>
-                <a:effectLst/>
-                <a:latin typeface="+mj-lt"/>
-              </a:rPr>
-              <a:t>javax.sql</a:t>
-            </a:r>
-            <a:r>
-              <a:rPr lang="en" sz="2600" b="0" i="0" u="none" strike="noStrike" dirty="0">
-                <a:solidFill>
-                  <a:srgbClr val="003399"/>
-                </a:solidFill>
-                <a:effectLst/>
-                <a:latin typeface="+mj-lt"/>
-              </a:rPr>
-              <a:t> </a:t>
-            </a:r>
-            <a:r>
-              <a:rPr lang="ru-RU" sz="2600" b="0" i="0" u="none" strike="noStrike" dirty="0">
-                <a:solidFill>
-                  <a:srgbClr val="003399"/>
-                </a:solidFill>
-                <a:effectLst/>
-                <a:latin typeface="+mj-lt"/>
-              </a:rPr>
-              <a:t>и должны быть реализованы поставщиками </a:t>
-            </a:r>
-            <a:r>
-              <a:rPr lang="en" sz="2600" b="0" i="0" u="none" strike="noStrike" dirty="0">
-                <a:solidFill>
-                  <a:srgbClr val="003399"/>
-                </a:solidFill>
-                <a:effectLst/>
-                <a:latin typeface="+mj-lt"/>
-              </a:rPr>
-              <a:t>JDBC </a:t>
-            </a:r>
-            <a:r>
-              <a:rPr lang="ru-RU" sz="2600" b="0" i="0" u="none" strike="noStrike" dirty="0">
-                <a:solidFill>
-                  <a:srgbClr val="003399"/>
-                </a:solidFill>
-                <a:effectLst/>
-                <a:latin typeface="+mj-lt"/>
-              </a:rPr>
-              <a:t>классов (драйверов). Основное назначение интерфейсов </a:t>
-            </a:r>
-            <a:r>
-              <a:rPr lang="en" sz="2600" b="0" i="0" u="none" strike="noStrike" dirty="0" err="1">
-                <a:solidFill>
-                  <a:srgbClr val="003399"/>
-                </a:solidFill>
-                <a:effectLst/>
-                <a:latin typeface="+mj-lt"/>
-              </a:rPr>
-              <a:t>DataSource</a:t>
-            </a:r>
-            <a:r>
-              <a:rPr lang="en" sz="2600" b="0" i="0" u="none" strike="noStrike" dirty="0">
-                <a:solidFill>
-                  <a:srgbClr val="003399"/>
-                </a:solidFill>
-                <a:effectLst/>
-                <a:latin typeface="+mj-lt"/>
-              </a:rPr>
-              <a:t> </a:t>
-            </a:r>
-            <a:r>
-              <a:rPr lang="ru-RU" sz="2600" b="0" i="0" u="none" strike="noStrike" dirty="0">
-                <a:solidFill>
-                  <a:srgbClr val="003399"/>
-                </a:solidFill>
-                <a:effectLst/>
-                <a:latin typeface="+mj-lt"/>
-              </a:rPr>
-              <a:t>и </a:t>
-            </a:r>
-            <a:r>
-              <a:rPr lang="en" sz="2600" b="0" i="0" u="none" strike="noStrike" dirty="0" err="1">
-                <a:solidFill>
-                  <a:srgbClr val="003399"/>
-                </a:solidFill>
-                <a:effectLst/>
-                <a:latin typeface="+mj-lt"/>
-              </a:rPr>
-              <a:t>ConnectionPoolDataSource</a:t>
-            </a:r>
-            <a:r>
-              <a:rPr lang="en" sz="2600" b="0" i="0" u="none" strike="noStrike" dirty="0">
-                <a:solidFill>
-                  <a:srgbClr val="003399"/>
-                </a:solidFill>
-                <a:effectLst/>
-                <a:latin typeface="+mj-lt"/>
-              </a:rPr>
-              <a:t> </a:t>
-            </a:r>
-            <a:r>
-              <a:rPr lang="ru-RU" sz="2600" b="0" i="0" u="none" strike="noStrike" dirty="0">
-                <a:solidFill>
-                  <a:srgbClr val="003399"/>
-                </a:solidFill>
-                <a:effectLst/>
-                <a:latin typeface="+mj-lt"/>
-              </a:rPr>
-              <a:t>состоит в предоставлении возможности получения соединения с базой данных абстрагируясь от местоположения сервера СУБД и типа драйвера конкретного производителя. Интерфейсы определяют ряд обязательных для реализации методов, в том числе и метод </a:t>
-            </a:r>
-            <a:r>
-              <a:rPr lang="en" sz="2600" b="0" i="0" u="none" strike="noStrike" dirty="0" err="1">
-                <a:solidFill>
-                  <a:srgbClr val="003399"/>
-                </a:solidFill>
-                <a:effectLst/>
-                <a:latin typeface="+mj-lt"/>
-              </a:rPr>
-              <a:t>getConnection</a:t>
-            </a:r>
-            <a:r>
-              <a:rPr lang="en" sz="2600" b="0" i="0" u="none" strike="noStrike" dirty="0">
-                <a:solidFill>
-                  <a:srgbClr val="003399"/>
-                </a:solidFill>
-                <a:effectLst/>
-                <a:latin typeface="+mj-lt"/>
-              </a:rPr>
-              <a:t>(). </a:t>
-            </a:r>
-            <a:r>
-              <a:rPr lang="ru-RU" sz="2600" b="0" i="0" u="none" strike="noStrike" dirty="0">
-                <a:solidFill>
-                  <a:srgbClr val="003399"/>
-                </a:solidFill>
-                <a:effectLst/>
-                <a:latin typeface="+mj-lt"/>
-              </a:rPr>
-              <a:t>Объекты, получаемые от реализации данных интерфейсов используются для задания параметров соединения с базой данных и установки соединения в виде объекта типа </a:t>
-            </a:r>
-            <a:r>
-              <a:rPr lang="en" sz="2600" b="0" i="0" u="none" strike="noStrike" dirty="0">
-                <a:solidFill>
-                  <a:srgbClr val="003399"/>
-                </a:solidFill>
-                <a:effectLst/>
-                <a:latin typeface="+mj-lt"/>
-              </a:rPr>
-              <a:t>Connection.</a:t>
-            </a:r>
+            <a:pPr marL="0" indent="0">
+              <a:buNone/>
+            </a:pPr>
+            <a:r>
+              <a:rPr lang="ru-RU" dirty="0">
+                <a:solidFill>
+                  <a:srgbClr val="003399"/>
+                </a:solidFill>
+              </a:rPr>
+              <a:t>Защищает от </a:t>
+            </a:r>
+            <a:r>
+              <a:rPr lang="en-US" dirty="0">
+                <a:solidFill>
+                  <a:srgbClr val="003399"/>
+                </a:solidFill>
+              </a:rPr>
+              <a:t>SQL</a:t>
+            </a:r>
+            <a:r>
+              <a:rPr lang="ru-RU" dirty="0">
+                <a:solidFill>
+                  <a:srgbClr val="003399"/>
+                </a:solidFill>
+              </a:rPr>
+              <a:t> – инъекций </a:t>
+            </a:r>
+          </a:p>
+          <a:p>
+            <a:pPr marL="0" indent="0">
+              <a:buNone/>
+            </a:pPr>
+            <a:endParaRPr lang="ru-RU" dirty="0">
+              <a:solidFill>
+                <a:srgbClr val="003399"/>
+              </a:solidFill>
+            </a:endParaRPr>
+          </a:p>
+          <a:p>
+            <a:pPr marL="0" indent="0">
+              <a:buNone/>
+            </a:pPr>
+            <a:r>
+              <a:rPr lang="ru-RU" dirty="0">
+                <a:solidFill>
+                  <a:srgbClr val="003399"/>
+                </a:solidFill>
+              </a:rPr>
+              <a:t>Кэширует запросы</a:t>
+            </a:r>
+          </a:p>
+          <a:p>
+            <a:pPr marL="0" indent="0">
+              <a:buNone/>
+            </a:pPr>
+            <a:endParaRPr lang="ru-RU" dirty="0">
+              <a:solidFill>
+                <a:srgbClr val="003399"/>
+              </a:solidFill>
+            </a:endParaRPr>
+          </a:p>
+          <a:p>
+            <a:pPr marL="0" indent="0">
+              <a:buNone/>
+            </a:pPr>
+            <a:r>
+              <a:rPr lang="ru-RU" dirty="0">
+                <a:solidFill>
+                  <a:srgbClr val="003399"/>
+                </a:solidFill>
+              </a:rPr>
+              <a:t>Ускоряет связь между БД и </a:t>
+            </a:r>
+            <a:r>
+              <a:rPr lang="en-US" dirty="0">
+                <a:solidFill>
+                  <a:srgbClr val="003399"/>
+                </a:solidFill>
+              </a:rPr>
+              <a:t>JVM</a:t>
+            </a:r>
+            <a:endParaRPr lang="ru-RU" dirty="0">
+              <a:solidFill>
+                <a:srgbClr val="003399"/>
+              </a:solidFill>
+            </a:endParaRPr>
+          </a:p>
+          <a:p>
+            <a:pPr marL="0" indent="0">
+              <a:buNone/>
+            </a:pPr>
+            <a:endParaRPr lang="ru-RU" dirty="0">
+              <a:solidFill>
+                <a:srgbClr val="003399"/>
+              </a:solidFill>
+            </a:endParaRPr>
+          </a:p>
+          <a:p>
+            <a:pPr marL="0" indent="0">
+              <a:buNone/>
+            </a:pPr>
+            <a:r>
+              <a:rPr lang="ru-RU" dirty="0">
+                <a:solidFill>
+                  <a:srgbClr val="003399"/>
+                </a:solidFill>
+              </a:rPr>
+              <a:t>Обеспечивает пакетное выполнение</a:t>
+            </a:r>
+            <a:endParaRPr lang="en-US" dirty="0">
+              <a:solidFill>
+                <a:srgbClr val="003399"/>
+              </a:solidFill>
+            </a:endParaRPr>
           </a:p>
         </p:txBody>
       </p:sp>
     </p:spTree>
     <p:extLst>
       <p:ext uri="{BB962C8B-B14F-4D97-AF65-F5344CB8AC3E}">
-        <p14:creationId xmlns:p14="http://schemas.microsoft.com/office/powerpoint/2010/main" val="4137952255"/>
+        <p14:creationId xmlns:p14="http://schemas.microsoft.com/office/powerpoint/2010/main" val="3802727376"/>
       </p:ext>
     </p:extLst>
   </p:cSld>
@@ -6237,6 +6121,476 @@
           <a:lstStyle/>
           <a:p>
             <a:r>
+              <a:rPr lang="en-US" dirty="0">
+                <a:solidFill>
+                  <a:srgbClr val="003399"/>
+                </a:solidFill>
+              </a:rPr>
+              <a:t>Callable Statements</a:t>
+            </a:r>
+          </a:p>
+        </p:txBody>
+      </p:sp>
+      <p:sp>
+        <p:nvSpPr>
+          <p:cNvPr id="3" name="Content Placeholder 2">
+            <a:extLst>
+              <a:ext uri="{FF2B5EF4-FFF2-40B4-BE49-F238E27FC236}">
+                <a16:creationId xmlns:a16="http://schemas.microsoft.com/office/drawing/2014/main" id="{5209A7C4-3D8F-48DB-BD94-B835E20D90BF}"/>
+              </a:ext>
+            </a:extLst>
+          </p:cNvPr>
+          <p:cNvSpPr>
+            <a:spLocks noGrp="1"/>
+          </p:cNvSpPr>
+          <p:nvPr>
+            <p:ph idx="1"/>
+          </p:nvPr>
+        </p:nvSpPr>
+        <p:spPr/>
+        <p:txBody>
+          <a:bodyPr>
+            <a:normAutofit fontScale="92500"/>
+          </a:bodyPr>
+          <a:lstStyle/>
+          <a:p>
+            <a:pPr marL="0" indent="0">
+              <a:buNone/>
+            </a:pPr>
+            <a:endParaRPr lang="en-US" dirty="0">
+              <a:solidFill>
+                <a:srgbClr val="003399"/>
+              </a:solidFill>
+            </a:endParaRPr>
+          </a:p>
+          <a:p>
+            <a:pPr marL="0" indent="0">
+              <a:buNone/>
+            </a:pPr>
+            <a:endParaRPr lang="en-US" dirty="0">
+              <a:solidFill>
+                <a:srgbClr val="003399"/>
+              </a:solidFill>
+            </a:endParaRPr>
+          </a:p>
+          <a:p>
+            <a:pPr marL="0" indent="0">
+              <a:buNone/>
+            </a:pPr>
+            <a:endParaRPr lang="en-US" dirty="0">
+              <a:solidFill>
+                <a:srgbClr val="003399"/>
+              </a:solidFill>
+            </a:endParaRPr>
+          </a:p>
+          <a:p>
+            <a:r>
+              <a:rPr lang="en" dirty="0" err="1">
+                <a:solidFill>
+                  <a:srgbClr val="003399"/>
+                </a:solidFill>
+              </a:rPr>
+              <a:t>CallableStatement</a:t>
+            </a:r>
+            <a:r>
+              <a:rPr lang="en" dirty="0">
+                <a:solidFill>
+                  <a:srgbClr val="003399"/>
+                </a:solidFill>
+              </a:rPr>
+              <a:t> </a:t>
+            </a:r>
+            <a:r>
+              <a:rPr lang="ru-RU" dirty="0">
+                <a:solidFill>
+                  <a:srgbClr val="003399"/>
+                </a:solidFill>
+              </a:rPr>
+              <a:t>используется для вызова хранимых процедур в базе данных.</a:t>
+            </a:r>
+          </a:p>
+          <a:p>
+            <a:r>
+              <a:rPr lang="ru-RU" dirty="0">
+                <a:solidFill>
+                  <a:srgbClr val="003399"/>
+                </a:solidFill>
+              </a:rPr>
+              <a:t>Хранимая процедура похожа на функцию или метод в классе, за исключением того, что она находится в базе данных. Некоторые тяжелые операции с базой данных могут выиграть в производительности от выполнения в том же пространстве памяти, что и сервер базы данных, в качестве хранимой процедуры.</a:t>
+            </a:r>
+          </a:p>
+        </p:txBody>
+      </p:sp>
+      <p:pic>
+        <p:nvPicPr>
+          <p:cNvPr id="5" name="Рисунок 4" descr="Изображение выглядит как текст&#10;&#10;Автоматически созданное описание">
+            <a:extLst>
+              <a:ext uri="{FF2B5EF4-FFF2-40B4-BE49-F238E27FC236}">
+                <a16:creationId xmlns:a16="http://schemas.microsoft.com/office/drawing/2014/main" id="{7A654497-9DA3-DE80-69CA-E94F0AE819B1}"/>
+              </a:ext>
+            </a:extLst>
+          </p:cNvPr>
+          <p:cNvPicPr>
+            <a:picLocks noChangeAspect="1"/>
+          </p:cNvPicPr>
+          <p:nvPr/>
+        </p:nvPicPr>
+        <p:blipFill>
+          <a:blip r:embed="rId2">
+            <a:extLst>
+              <a:ext uri="{28A0092B-C50C-407E-A947-70E740481C1C}">
+                <a14:useLocalDpi xmlns:a14="http://schemas.microsoft.com/office/drawing/2010/main" val="0"/>
+              </a:ext>
+            </a:extLst>
+          </a:blip>
+          <a:stretch>
+            <a:fillRect/>
+          </a:stretch>
+        </p:blipFill>
+        <p:spPr>
+          <a:xfrm>
+            <a:off x="2053361" y="1584670"/>
+            <a:ext cx="8085278" cy="1450077"/>
+          </a:xfrm>
+          <a:prstGeom prst="rect">
+            <a:avLst/>
+          </a:prstGeom>
+        </p:spPr>
+      </p:pic>
+    </p:spTree>
+    <p:extLst>
+      <p:ext uri="{BB962C8B-B14F-4D97-AF65-F5344CB8AC3E}">
+        <p14:creationId xmlns:p14="http://schemas.microsoft.com/office/powerpoint/2010/main" val="3642423332"/>
+      </p:ext>
+    </p:extLst>
+  </p:cSld>
+  <p:clrMapOvr>
+    <a:masterClrMapping/>
+  </p:clrMapOvr>
+</p:sld>
+</file>
+
+<file path=ppt/slides/slide21.xml><?xml version="1.0" encoding="utf-8"?>
+<p:sld xmlns:a="http://schemas.openxmlformats.org/drawingml/2006/main" xmlns:r="http://schemas.openxmlformats.org/officeDocument/2006/relationships" xmlns:p="http://schemas.openxmlformats.org/presentationml/2006/main">
+  <p:cSld>
+    <p:spTree>
+      <p:nvGrpSpPr>
+        <p:cNvPr id="1" name=""/>
+        <p:cNvGrpSpPr/>
+        <p:nvPr/>
+      </p:nvGrpSpPr>
+      <p:grpSpPr>
+        <a:xfrm>
+          <a:off x="0" y="0"/>
+          <a:ext cx="0" cy="0"/>
+          <a:chOff x="0" y="0"/>
+          <a:chExt cx="0" cy="0"/>
+        </a:xfrm>
+      </p:grpSpPr>
+      <p:sp>
+        <p:nvSpPr>
+          <p:cNvPr id="2" name="Title 1">
+            <a:extLst>
+              <a:ext uri="{FF2B5EF4-FFF2-40B4-BE49-F238E27FC236}">
+                <a16:creationId xmlns:a16="http://schemas.microsoft.com/office/drawing/2014/main" id="{47C2523B-489C-4F40-95C6-4B0B98AEA306}"/>
+              </a:ext>
+            </a:extLst>
+          </p:cNvPr>
+          <p:cNvSpPr>
+            <a:spLocks noGrp="1"/>
+          </p:cNvSpPr>
+          <p:nvPr>
+            <p:ph type="title"/>
+          </p:nvPr>
+        </p:nvSpPr>
+        <p:spPr/>
+        <p:txBody>
+          <a:bodyPr/>
+          <a:lstStyle/>
+          <a:p>
+            <a:r>
+              <a:rPr lang="en" u="none" strike="noStrike" dirty="0" err="1">
+                <a:solidFill>
+                  <a:srgbClr val="003399"/>
+                </a:solidFill>
+                <a:effectLst/>
+              </a:rPr>
+              <a:t>DataSource</a:t>
+            </a:r>
+            <a:r>
+              <a:rPr lang="en" u="none" strike="noStrike" dirty="0">
+                <a:solidFill>
+                  <a:srgbClr val="003399"/>
+                </a:solidFill>
+                <a:effectLst/>
+              </a:rPr>
+              <a:t> </a:t>
+            </a:r>
+            <a:r>
+              <a:rPr lang="ru-RU" u="none" strike="noStrike" dirty="0">
+                <a:solidFill>
+                  <a:srgbClr val="003399"/>
+                </a:solidFill>
+                <a:effectLst/>
+              </a:rPr>
+              <a:t>и </a:t>
+            </a:r>
+            <a:r>
+              <a:rPr lang="en" u="none" strike="noStrike" dirty="0" err="1">
+                <a:solidFill>
+                  <a:srgbClr val="003399"/>
+                </a:solidFill>
+                <a:effectLst/>
+              </a:rPr>
+              <a:t>ConnectionPoolDataSource</a:t>
+            </a:r>
+            <a:endParaRPr lang="en-US" dirty="0">
+              <a:solidFill>
+                <a:srgbClr val="003399"/>
+              </a:solidFill>
+            </a:endParaRPr>
+          </a:p>
+        </p:txBody>
+      </p:sp>
+      <p:sp>
+        <p:nvSpPr>
+          <p:cNvPr id="3" name="Content Placeholder 2">
+            <a:extLst>
+              <a:ext uri="{FF2B5EF4-FFF2-40B4-BE49-F238E27FC236}">
+                <a16:creationId xmlns:a16="http://schemas.microsoft.com/office/drawing/2014/main" id="{5209A7C4-3D8F-48DB-BD94-B835E20D90BF}"/>
+              </a:ext>
+            </a:extLst>
+          </p:cNvPr>
+          <p:cNvSpPr>
+            <a:spLocks noGrp="1"/>
+          </p:cNvSpPr>
+          <p:nvPr>
+            <p:ph idx="1"/>
+          </p:nvPr>
+        </p:nvSpPr>
+        <p:spPr/>
+        <p:txBody>
+          <a:bodyPr>
+            <a:normAutofit/>
+          </a:bodyPr>
+          <a:lstStyle/>
+          <a:p>
+            <a:pPr algn="l"/>
+            <a:r>
+              <a:rPr lang="ru-RU" sz="2600" b="0" i="0" u="none" strike="noStrike" dirty="0">
+                <a:solidFill>
+                  <a:srgbClr val="003399"/>
+                </a:solidFill>
+                <a:effectLst/>
+                <a:latin typeface="+mj-lt"/>
+              </a:rPr>
+              <a:t>Оба интерфейса входят в пакет </a:t>
+            </a:r>
+            <a:r>
+              <a:rPr lang="en" sz="2600" b="0" i="0" u="none" strike="noStrike" dirty="0" err="1">
+                <a:solidFill>
+                  <a:srgbClr val="003399"/>
+                </a:solidFill>
+                <a:effectLst/>
+                <a:latin typeface="+mj-lt"/>
+              </a:rPr>
+              <a:t>javax.sql</a:t>
+            </a:r>
+            <a:r>
+              <a:rPr lang="en" sz="2600" b="0" i="0" u="none" strike="noStrike" dirty="0">
+                <a:solidFill>
+                  <a:srgbClr val="003399"/>
+                </a:solidFill>
+                <a:effectLst/>
+                <a:latin typeface="+mj-lt"/>
+              </a:rPr>
+              <a:t> </a:t>
+            </a:r>
+            <a:r>
+              <a:rPr lang="ru-RU" sz="2600" b="0" i="0" u="none" strike="noStrike" dirty="0">
+                <a:solidFill>
+                  <a:srgbClr val="003399"/>
+                </a:solidFill>
+                <a:effectLst/>
+                <a:latin typeface="+mj-lt"/>
+              </a:rPr>
+              <a:t>и должны быть реализованы поставщиками </a:t>
+            </a:r>
+            <a:r>
+              <a:rPr lang="en" sz="2600" b="0" i="0" u="none" strike="noStrike" dirty="0">
+                <a:solidFill>
+                  <a:srgbClr val="003399"/>
+                </a:solidFill>
+                <a:effectLst/>
+                <a:latin typeface="+mj-lt"/>
+              </a:rPr>
+              <a:t>JDBC </a:t>
+            </a:r>
+            <a:r>
+              <a:rPr lang="ru-RU" sz="2600" b="0" i="0" u="none" strike="noStrike" dirty="0">
+                <a:solidFill>
+                  <a:srgbClr val="003399"/>
+                </a:solidFill>
+                <a:effectLst/>
+                <a:latin typeface="+mj-lt"/>
+              </a:rPr>
+              <a:t>классов (драйверов). Основное назначение интерфейсов </a:t>
+            </a:r>
+            <a:r>
+              <a:rPr lang="en" sz="2600" b="0" i="0" u="none" strike="noStrike" dirty="0" err="1">
+                <a:solidFill>
+                  <a:srgbClr val="003399"/>
+                </a:solidFill>
+                <a:effectLst/>
+                <a:latin typeface="+mj-lt"/>
+              </a:rPr>
+              <a:t>DataSource</a:t>
+            </a:r>
+            <a:r>
+              <a:rPr lang="en" sz="2600" b="0" i="0" u="none" strike="noStrike" dirty="0">
+                <a:solidFill>
+                  <a:srgbClr val="003399"/>
+                </a:solidFill>
+                <a:effectLst/>
+                <a:latin typeface="+mj-lt"/>
+              </a:rPr>
+              <a:t> </a:t>
+            </a:r>
+            <a:r>
+              <a:rPr lang="ru-RU" sz="2600" b="0" i="0" u="none" strike="noStrike" dirty="0">
+                <a:solidFill>
+                  <a:srgbClr val="003399"/>
+                </a:solidFill>
+                <a:effectLst/>
+                <a:latin typeface="+mj-lt"/>
+              </a:rPr>
+              <a:t>и </a:t>
+            </a:r>
+            <a:r>
+              <a:rPr lang="en" sz="2600" b="0" i="0" u="none" strike="noStrike" dirty="0" err="1">
+                <a:solidFill>
+                  <a:srgbClr val="003399"/>
+                </a:solidFill>
+                <a:effectLst/>
+                <a:latin typeface="+mj-lt"/>
+              </a:rPr>
+              <a:t>ConnectionPoolDataSource</a:t>
+            </a:r>
+            <a:r>
+              <a:rPr lang="en" sz="2600" b="0" i="0" u="none" strike="noStrike" dirty="0">
+                <a:solidFill>
+                  <a:srgbClr val="003399"/>
+                </a:solidFill>
+                <a:effectLst/>
+                <a:latin typeface="+mj-lt"/>
+              </a:rPr>
+              <a:t> </a:t>
+            </a:r>
+            <a:r>
+              <a:rPr lang="ru-RU" sz="2600" b="0" i="0" u="none" strike="noStrike" dirty="0">
+                <a:solidFill>
+                  <a:srgbClr val="003399"/>
+                </a:solidFill>
+                <a:effectLst/>
+                <a:latin typeface="+mj-lt"/>
+              </a:rPr>
+              <a:t>состоит в предоставлении возможности получения соединения с базой данных абстрагируясь от местоположения сервера СУБД и типа драйвера конкретного производителя. Интерфейсы определяют ряд обязательных для реализации методов, в том числе и метод </a:t>
+            </a:r>
+            <a:r>
+              <a:rPr lang="en" sz="2600" b="0" i="0" u="none" strike="noStrike" dirty="0" err="1">
+                <a:solidFill>
+                  <a:srgbClr val="003399"/>
+                </a:solidFill>
+                <a:effectLst/>
+                <a:latin typeface="+mj-lt"/>
+              </a:rPr>
+              <a:t>getConnection</a:t>
+            </a:r>
+            <a:r>
+              <a:rPr lang="en" sz="2600" b="0" i="0" u="none" strike="noStrike" dirty="0">
+                <a:solidFill>
+                  <a:srgbClr val="003399"/>
+                </a:solidFill>
+                <a:effectLst/>
+                <a:latin typeface="+mj-lt"/>
+              </a:rPr>
+              <a:t>(). </a:t>
+            </a:r>
+            <a:r>
+              <a:rPr lang="ru-RU" sz="2600" b="0" i="0" u="none" strike="noStrike" dirty="0">
+                <a:solidFill>
+                  <a:srgbClr val="003399"/>
+                </a:solidFill>
+                <a:effectLst/>
+                <a:latin typeface="+mj-lt"/>
+              </a:rPr>
+              <a:t>Объекты, получаемые от реализации данных интерфейсов используются для задания параметров соединения с базой данных и установки соединения в виде объекта типа </a:t>
+            </a:r>
+            <a:r>
+              <a:rPr lang="en" sz="2600" b="0" i="0" u="none" strike="noStrike" dirty="0">
+                <a:solidFill>
+                  <a:srgbClr val="003399"/>
+                </a:solidFill>
+                <a:effectLst/>
+                <a:latin typeface="+mj-lt"/>
+              </a:rPr>
+              <a:t>Connection.</a:t>
+            </a:r>
+          </a:p>
+        </p:txBody>
+      </p:sp>
+    </p:spTree>
+    <p:extLst>
+      <p:ext uri="{BB962C8B-B14F-4D97-AF65-F5344CB8AC3E}">
+        <p14:creationId xmlns:p14="http://schemas.microsoft.com/office/powerpoint/2010/main" val="4137952255"/>
+      </p:ext>
+    </p:extLst>
+  </p:cSld>
+  <p:clrMapOvr>
+    <a:masterClrMapping/>
+  </p:clrMapOvr>
+</p:sld>
+</file>
+
+<file path=ppt/slides/slide22.xml><?xml version="1.0" encoding="utf-8"?>
+<p:sld xmlns:a="http://schemas.openxmlformats.org/drawingml/2006/main" xmlns:r="http://schemas.openxmlformats.org/officeDocument/2006/relationships" xmlns:p="http://schemas.openxmlformats.org/presentationml/2006/main">
+  <p:cSld>
+    <p:spTree>
+      <p:nvGrpSpPr>
+        <p:cNvPr id="1" name=""/>
+        <p:cNvGrpSpPr/>
+        <p:nvPr/>
+      </p:nvGrpSpPr>
+      <p:grpSpPr>
+        <a:xfrm>
+          <a:off x="0" y="0"/>
+          <a:ext cx="0" cy="0"/>
+          <a:chOff x="0" y="0"/>
+          <a:chExt cx="0" cy="0"/>
+        </a:xfrm>
+      </p:grpSpPr>
+      <p:sp>
+        <p:nvSpPr>
+          <p:cNvPr id="2" name="Title 1">
+            <a:extLst>
+              <a:ext uri="{FF2B5EF4-FFF2-40B4-BE49-F238E27FC236}">
+                <a16:creationId xmlns:a16="http://schemas.microsoft.com/office/drawing/2014/main" id="{47C2523B-489C-4F40-95C6-4B0B98AEA306}"/>
+              </a:ext>
+            </a:extLst>
+          </p:cNvPr>
+          <p:cNvSpPr>
+            <a:spLocks noGrp="1"/>
+          </p:cNvSpPr>
+          <p:nvPr>
+            <p:ph type="title"/>
+          </p:nvPr>
+        </p:nvSpPr>
+        <p:spPr/>
+        <p:txBody>
+          <a:bodyPr/>
+          <a:lstStyle/>
+          <a:p>
+            <a:r>
               <a:rPr lang="en" u="none" strike="noStrike" dirty="0" err="1">
                 <a:solidFill>
                   <a:srgbClr val="003399"/>
@@ -6487,7 +6841,7 @@
 </p:sld>
 </file>
 
-<file path=ppt/slides/slide21.xml><?xml version="1.0" encoding="utf-8"?>
+<file path=ppt/slides/slide23.xml><?xml version="1.0" encoding="utf-8"?>
 <p:sld xmlns:a="http://schemas.openxmlformats.org/drawingml/2006/main" xmlns:r="http://schemas.openxmlformats.org/officeDocument/2006/relationships" xmlns:p="http://schemas.openxmlformats.org/presentationml/2006/main">
   <p:cSld>
     <p:spTree>
@@ -6618,573 +6972,6 @@
 </p:sld>
 </file>
 
-<file path=ppt/slides/slide22.xml><?xml version="1.0" encoding="utf-8"?>
-<p:sld xmlns:a="http://schemas.openxmlformats.org/drawingml/2006/main" xmlns:r="http://schemas.openxmlformats.org/officeDocument/2006/relationships" xmlns:p="http://schemas.openxmlformats.org/presentationml/2006/main">
-  <p:cSld>
-    <p:spTree>
-      <p:nvGrpSpPr>
-        <p:cNvPr id="1" name=""/>
-        <p:cNvGrpSpPr/>
-        <p:nvPr/>
-      </p:nvGrpSpPr>
-      <p:grpSpPr>
-        <a:xfrm>
-          <a:off x="0" y="0"/>
-          <a:ext cx="0" cy="0"/>
-          <a:chOff x="0" y="0"/>
-          <a:chExt cx="0" cy="0"/>
-        </a:xfrm>
-      </p:grpSpPr>
-      <p:sp>
-        <p:nvSpPr>
-          <p:cNvPr id="2" name="Title 1">
-            <a:extLst>
-              <a:ext uri="{FF2B5EF4-FFF2-40B4-BE49-F238E27FC236}">
-                <a16:creationId xmlns:a16="http://schemas.microsoft.com/office/drawing/2014/main" id="{47C2523B-489C-4F40-95C6-4B0B98AEA306}"/>
-              </a:ext>
-            </a:extLst>
-          </p:cNvPr>
-          <p:cNvSpPr>
-            <a:spLocks noGrp="1"/>
-          </p:cNvSpPr>
-          <p:nvPr>
-            <p:ph type="title"/>
-          </p:nvPr>
-        </p:nvSpPr>
-        <p:spPr/>
-        <p:txBody>
-          <a:bodyPr/>
-          <a:lstStyle/>
-          <a:p>
-            <a:r>
-              <a:rPr lang="en-US" u="none" strike="noStrike" dirty="0">
-                <a:solidFill>
-                  <a:srgbClr val="003399"/>
-                </a:solidFill>
-                <a:effectLst/>
-              </a:rPr>
-              <a:t>JPA</a:t>
-            </a:r>
-            <a:endParaRPr lang="en-US" dirty="0">
-              <a:solidFill>
-                <a:srgbClr val="003399"/>
-              </a:solidFill>
-            </a:endParaRPr>
-          </a:p>
-        </p:txBody>
-      </p:sp>
-      <p:sp>
-        <p:nvSpPr>
-          <p:cNvPr id="3" name="Content Placeholder 2">
-            <a:extLst>
-              <a:ext uri="{FF2B5EF4-FFF2-40B4-BE49-F238E27FC236}">
-                <a16:creationId xmlns:a16="http://schemas.microsoft.com/office/drawing/2014/main" id="{5209A7C4-3D8F-48DB-BD94-B835E20D90BF}"/>
-              </a:ext>
-            </a:extLst>
-          </p:cNvPr>
-          <p:cNvSpPr>
-            <a:spLocks noGrp="1"/>
-          </p:cNvSpPr>
-          <p:nvPr>
-            <p:ph idx="1"/>
-          </p:nvPr>
-        </p:nvSpPr>
-        <p:spPr/>
-        <p:txBody>
-          <a:bodyPr>
-            <a:noAutofit/>
-          </a:bodyPr>
-          <a:lstStyle/>
-          <a:p>
-            <a:pPr algn="l"/>
-            <a:r>
-              <a:rPr lang="en" sz="2600" b="0" i="0" u="none" strike="noStrike" dirty="0">
-                <a:solidFill>
-                  <a:srgbClr val="003399"/>
-                </a:solidFill>
-                <a:effectLst/>
-                <a:latin typeface="+mj-lt"/>
-              </a:rPr>
-              <a:t>JPA (Java Persistence API) </a:t>
-            </a:r>
-            <a:r>
-              <a:rPr lang="ru-RU" sz="2600" b="0" i="0" u="none" strike="noStrike" dirty="0">
-                <a:solidFill>
-                  <a:srgbClr val="003399"/>
-                </a:solidFill>
-                <a:effectLst/>
-                <a:latin typeface="+mj-lt"/>
-              </a:rPr>
-              <a:t>это спецификация </a:t>
-            </a:r>
-            <a:r>
-              <a:rPr lang="en" sz="2600" b="0" i="0" u="none" strike="noStrike" dirty="0">
-                <a:solidFill>
-                  <a:srgbClr val="003399"/>
-                </a:solidFill>
-                <a:effectLst/>
-                <a:latin typeface="+mj-lt"/>
-              </a:rPr>
-              <a:t>Java EE </a:t>
-            </a:r>
-            <a:r>
-              <a:rPr lang="ru-RU" sz="2600" b="0" i="0" u="none" strike="noStrike" dirty="0">
-                <a:solidFill>
-                  <a:srgbClr val="003399"/>
-                </a:solidFill>
-                <a:effectLst/>
-                <a:latin typeface="+mj-lt"/>
-              </a:rPr>
-              <a:t>и </a:t>
-            </a:r>
-            <a:r>
-              <a:rPr lang="en" sz="2600" b="0" i="0" u="none" strike="noStrike" dirty="0">
-                <a:solidFill>
-                  <a:srgbClr val="003399"/>
-                </a:solidFill>
-                <a:effectLst/>
-                <a:latin typeface="+mj-lt"/>
-              </a:rPr>
-              <a:t>Java SE, </a:t>
-            </a:r>
-            <a:r>
-              <a:rPr lang="ru-RU" sz="2600" b="0" i="0" u="none" strike="noStrike" dirty="0">
-                <a:solidFill>
-                  <a:srgbClr val="003399"/>
-                </a:solidFill>
-                <a:effectLst/>
-                <a:latin typeface="+mj-lt"/>
-              </a:rPr>
-              <a:t>описывающая систему управления сохранением </a:t>
-            </a:r>
-            <a:r>
-              <a:rPr lang="en" sz="2600" b="0" i="0" u="none" strike="noStrike" dirty="0">
-                <a:solidFill>
-                  <a:srgbClr val="003399"/>
-                </a:solidFill>
-                <a:effectLst/>
-                <a:latin typeface="+mj-lt"/>
-              </a:rPr>
-              <a:t>java </a:t>
-            </a:r>
-            <a:r>
-              <a:rPr lang="ru-RU" sz="2600" b="0" i="0" u="none" strike="noStrike" dirty="0">
-                <a:solidFill>
-                  <a:srgbClr val="003399"/>
-                </a:solidFill>
-                <a:effectLst/>
-                <a:latin typeface="+mj-lt"/>
-              </a:rPr>
-              <a:t>объектов в таблицы реляционных баз данных в удобном виде. Сама </a:t>
-            </a:r>
-            <a:r>
-              <a:rPr lang="en" sz="2600" b="0" i="0" u="none" strike="noStrike" dirty="0">
-                <a:solidFill>
-                  <a:srgbClr val="003399"/>
-                </a:solidFill>
-                <a:effectLst/>
-                <a:latin typeface="+mj-lt"/>
-              </a:rPr>
-              <a:t>Java </a:t>
-            </a:r>
-            <a:r>
-              <a:rPr lang="ru-RU" sz="2600" b="0" i="0" u="none" strike="noStrike" dirty="0">
-                <a:solidFill>
-                  <a:srgbClr val="003399"/>
-                </a:solidFill>
-                <a:effectLst/>
-                <a:latin typeface="+mj-lt"/>
-              </a:rPr>
-              <a:t>не содержит реализации </a:t>
-            </a:r>
-            <a:r>
-              <a:rPr lang="en" sz="2600" b="0" i="0" u="none" strike="noStrike" dirty="0">
-                <a:solidFill>
-                  <a:srgbClr val="003399"/>
-                </a:solidFill>
-                <a:effectLst/>
-                <a:latin typeface="+mj-lt"/>
-              </a:rPr>
-              <a:t>JPA, </a:t>
-            </a:r>
-            <a:r>
-              <a:rPr lang="ru-RU" sz="2600" b="0" i="0" u="none" strike="noStrike" dirty="0">
-                <a:solidFill>
-                  <a:srgbClr val="003399"/>
-                </a:solidFill>
-                <a:effectLst/>
-                <a:latin typeface="+mj-lt"/>
-              </a:rPr>
-              <a:t>однако есть существует много реализаций данной спецификации от разных компаний (открытых и нет). Это не единственный способ сохранения </a:t>
-            </a:r>
-            <a:r>
-              <a:rPr lang="en" sz="2600" b="0" i="0" u="none" strike="noStrike" dirty="0">
-                <a:solidFill>
-                  <a:srgbClr val="003399"/>
-                </a:solidFill>
-                <a:effectLst/>
-                <a:latin typeface="+mj-lt"/>
-              </a:rPr>
-              <a:t>java </a:t>
-            </a:r>
-            <a:r>
-              <a:rPr lang="ru-RU" sz="2600" b="0" i="0" u="none" strike="noStrike" dirty="0">
-                <a:solidFill>
-                  <a:srgbClr val="003399"/>
-                </a:solidFill>
-                <a:effectLst/>
-                <a:latin typeface="+mj-lt"/>
-              </a:rPr>
-              <a:t>объектов в базы данных (</a:t>
-            </a:r>
-            <a:r>
-              <a:rPr lang="en" sz="2600" b="0" i="0" u="none" strike="noStrike" dirty="0">
-                <a:solidFill>
-                  <a:srgbClr val="003399"/>
-                </a:solidFill>
-                <a:effectLst/>
-                <a:latin typeface="+mj-lt"/>
-              </a:rPr>
-              <a:t>ORM </a:t>
-            </a:r>
-            <a:r>
-              <a:rPr lang="ru-RU" sz="2600" b="0" i="0" u="none" strike="noStrike" dirty="0">
-                <a:solidFill>
-                  <a:srgbClr val="003399"/>
-                </a:solidFill>
-                <a:effectLst/>
-                <a:latin typeface="+mj-lt"/>
-              </a:rPr>
-              <a:t>систем), но один из самых популярных в </a:t>
-            </a:r>
-            <a:r>
-              <a:rPr lang="en" sz="2600" b="0" i="0" u="none" strike="noStrike" dirty="0">
-                <a:solidFill>
-                  <a:srgbClr val="003399"/>
-                </a:solidFill>
-                <a:effectLst/>
-                <a:latin typeface="+mj-lt"/>
-              </a:rPr>
-              <a:t>Java </a:t>
-            </a:r>
-            <a:r>
-              <a:rPr lang="ru-RU" sz="2600" b="0" i="0" u="none" strike="noStrike" dirty="0">
-                <a:solidFill>
-                  <a:srgbClr val="003399"/>
-                </a:solidFill>
-                <a:effectLst/>
-                <a:latin typeface="+mj-lt"/>
-              </a:rPr>
-              <a:t>мире.</a:t>
-            </a:r>
-            <a:endParaRPr lang="en" sz="2600" b="0" i="0" u="none" strike="noStrike" dirty="0">
-              <a:solidFill>
-                <a:srgbClr val="003399"/>
-              </a:solidFill>
-              <a:effectLst/>
-              <a:latin typeface="+mj-lt"/>
-            </a:endParaRPr>
-          </a:p>
-        </p:txBody>
-      </p:sp>
-    </p:spTree>
-    <p:extLst>
-      <p:ext uri="{BB962C8B-B14F-4D97-AF65-F5344CB8AC3E}">
-        <p14:creationId xmlns:p14="http://schemas.microsoft.com/office/powerpoint/2010/main" val="3710310358"/>
-      </p:ext>
-    </p:extLst>
-  </p:cSld>
-  <p:clrMapOvr>
-    <a:masterClrMapping/>
-  </p:clrMapOvr>
-</p:sld>
-</file>
-
-<file path=ppt/slides/slide23.xml><?xml version="1.0" encoding="utf-8"?>
-<p:sld xmlns:a="http://schemas.openxmlformats.org/drawingml/2006/main" xmlns:r="http://schemas.openxmlformats.org/officeDocument/2006/relationships" xmlns:p="http://schemas.openxmlformats.org/presentationml/2006/main">
-  <p:cSld>
-    <p:spTree>
-      <p:nvGrpSpPr>
-        <p:cNvPr id="1" name=""/>
-        <p:cNvGrpSpPr/>
-        <p:nvPr/>
-      </p:nvGrpSpPr>
-      <p:grpSpPr>
-        <a:xfrm>
-          <a:off x="0" y="0"/>
-          <a:ext cx="0" cy="0"/>
-          <a:chOff x="0" y="0"/>
-          <a:chExt cx="0" cy="0"/>
-        </a:xfrm>
-      </p:grpSpPr>
-      <p:sp>
-        <p:nvSpPr>
-          <p:cNvPr id="2" name="Title 1">
-            <a:extLst>
-              <a:ext uri="{FF2B5EF4-FFF2-40B4-BE49-F238E27FC236}">
-                <a16:creationId xmlns:a16="http://schemas.microsoft.com/office/drawing/2014/main" id="{47C2523B-489C-4F40-95C6-4B0B98AEA306}"/>
-              </a:ext>
-            </a:extLst>
-          </p:cNvPr>
-          <p:cNvSpPr>
-            <a:spLocks noGrp="1"/>
-          </p:cNvSpPr>
-          <p:nvPr>
-            <p:ph type="title"/>
-          </p:nvPr>
-        </p:nvSpPr>
-        <p:spPr/>
-        <p:txBody>
-          <a:bodyPr/>
-          <a:lstStyle/>
-          <a:p>
-            <a:r>
-              <a:rPr lang="en-US" u="none" strike="noStrike" dirty="0">
-                <a:solidFill>
-                  <a:srgbClr val="003399"/>
-                </a:solidFill>
-                <a:effectLst/>
-              </a:rPr>
-              <a:t>JDO</a:t>
-            </a:r>
-            <a:endParaRPr lang="en-US" dirty="0">
-              <a:solidFill>
-                <a:srgbClr val="003399"/>
-              </a:solidFill>
-            </a:endParaRPr>
-          </a:p>
-        </p:txBody>
-      </p:sp>
-      <p:sp>
-        <p:nvSpPr>
-          <p:cNvPr id="3" name="Content Placeholder 2">
-            <a:extLst>
-              <a:ext uri="{FF2B5EF4-FFF2-40B4-BE49-F238E27FC236}">
-                <a16:creationId xmlns:a16="http://schemas.microsoft.com/office/drawing/2014/main" id="{5209A7C4-3D8F-48DB-BD94-B835E20D90BF}"/>
-              </a:ext>
-            </a:extLst>
-          </p:cNvPr>
-          <p:cNvSpPr>
-            <a:spLocks noGrp="1"/>
-          </p:cNvSpPr>
-          <p:nvPr>
-            <p:ph idx="1"/>
-          </p:nvPr>
-        </p:nvSpPr>
-        <p:spPr/>
-        <p:txBody>
-          <a:bodyPr>
-            <a:noAutofit/>
-          </a:bodyPr>
-          <a:lstStyle/>
-          <a:p>
-            <a:pPr algn="l"/>
-            <a:r>
-              <a:rPr lang="en" sz="2600" b="0" i="0" u="none" strike="noStrike" dirty="0">
-                <a:solidFill>
-                  <a:srgbClr val="003399"/>
-                </a:solidFill>
-                <a:effectLst/>
-                <a:latin typeface="+mj-lt"/>
-              </a:rPr>
-              <a:t>JDO </a:t>
-            </a:r>
-            <a:r>
-              <a:rPr lang="ru-RU" sz="2600" b="0" i="0" u="none" strike="noStrike" dirty="0">
-                <a:solidFill>
-                  <a:srgbClr val="003399"/>
-                </a:solidFill>
-                <a:effectLst/>
-                <a:latin typeface="+mj-lt"/>
-              </a:rPr>
-              <a:t>более общая спецификация которая описывает </a:t>
-            </a:r>
-            <a:r>
-              <a:rPr lang="en" sz="2600" b="0" i="0" u="none" strike="noStrike" dirty="0">
-                <a:solidFill>
-                  <a:srgbClr val="003399"/>
-                </a:solidFill>
-                <a:effectLst/>
-                <a:latin typeface="+mj-lt"/>
-              </a:rPr>
-              <a:t>ORM </a:t>
-            </a:r>
-            <a:r>
-              <a:rPr lang="ru-RU" sz="2600" b="0" i="0" u="none" strike="noStrike" dirty="0">
-                <a:solidFill>
-                  <a:srgbClr val="003399"/>
-                </a:solidFill>
-                <a:effectLst/>
-                <a:latin typeface="+mj-lt"/>
-              </a:rPr>
-              <a:t>для любых возможных баз и хранилищ. В принципе можно рассматривать </a:t>
-            </a:r>
-            <a:r>
-              <a:rPr lang="en" sz="2600" b="0" i="0" u="none" strike="noStrike" dirty="0">
-                <a:solidFill>
-                  <a:srgbClr val="003399"/>
-                </a:solidFill>
-                <a:effectLst/>
-                <a:latin typeface="+mj-lt"/>
-              </a:rPr>
-              <a:t>JPA </a:t>
-            </a:r>
-            <a:r>
-              <a:rPr lang="ru-RU" sz="2600" b="0" i="0" u="none" strike="noStrike" dirty="0">
-                <a:solidFill>
-                  <a:srgbClr val="003399"/>
-                </a:solidFill>
-                <a:effectLst/>
-                <a:latin typeface="+mj-lt"/>
-              </a:rPr>
-              <a:t>как специализированную на релятивистских баз часть спецификации </a:t>
-            </a:r>
-            <a:r>
-              <a:rPr lang="en" sz="2600" b="0" i="0" u="none" strike="noStrike" dirty="0">
-                <a:solidFill>
-                  <a:srgbClr val="003399"/>
-                </a:solidFill>
-                <a:effectLst/>
-                <a:latin typeface="+mj-lt"/>
-              </a:rPr>
-              <a:t>JDO, </a:t>
-            </a:r>
-            <a:r>
-              <a:rPr lang="ru-RU" sz="2600" b="0" i="0" u="none" strike="noStrike" dirty="0">
-                <a:solidFill>
-                  <a:srgbClr val="003399"/>
-                </a:solidFill>
-                <a:effectLst/>
-                <a:latin typeface="+mj-lt"/>
-              </a:rPr>
-              <a:t>даже при том что </a:t>
-            </a:r>
-            <a:r>
-              <a:rPr lang="en" sz="2600" b="0" i="0" u="none" strike="noStrike" dirty="0">
-                <a:solidFill>
-                  <a:srgbClr val="003399"/>
-                </a:solidFill>
-                <a:effectLst/>
-                <a:latin typeface="+mj-lt"/>
-              </a:rPr>
-              <a:t>API </a:t>
-            </a:r>
-            <a:r>
-              <a:rPr lang="ru-RU" sz="2600" b="0" i="0" u="none" strike="noStrike" dirty="0">
-                <a:solidFill>
-                  <a:srgbClr val="003399"/>
-                </a:solidFill>
-                <a:effectLst/>
-                <a:latin typeface="+mj-lt"/>
-              </a:rPr>
-              <a:t>этих двух спецификаций не полностью совпадает. Также отличаются «разработчики» спецификаций — если </a:t>
-            </a:r>
-            <a:r>
-              <a:rPr lang="en" sz="2600" b="0" i="0" u="none" strike="noStrike" dirty="0">
-                <a:solidFill>
-                  <a:srgbClr val="003399"/>
-                </a:solidFill>
-                <a:effectLst/>
-                <a:latin typeface="+mj-lt"/>
-              </a:rPr>
-              <a:t>JPA </a:t>
-            </a:r>
-            <a:r>
-              <a:rPr lang="ru-RU" sz="2600" b="0" i="0" u="none" strike="noStrike" dirty="0">
-                <a:solidFill>
-                  <a:srgbClr val="003399"/>
-                </a:solidFill>
-                <a:effectLst/>
-                <a:latin typeface="+mj-lt"/>
-              </a:rPr>
-              <a:t>разрабатывается как </a:t>
-            </a:r>
-            <a:r>
-              <a:rPr lang="en" sz="2600" b="0" i="0" u="none" strike="noStrike" dirty="0">
-                <a:solidFill>
-                  <a:srgbClr val="003399"/>
-                </a:solidFill>
-                <a:effectLst/>
-                <a:latin typeface="+mj-lt"/>
-              </a:rPr>
-              <a:t>JSR, </a:t>
-            </a:r>
-            <a:r>
-              <a:rPr lang="ru-RU" sz="2600" b="0" i="0" u="none" strike="noStrike" dirty="0">
-                <a:solidFill>
-                  <a:srgbClr val="003399"/>
-                </a:solidFill>
-                <a:effectLst/>
-                <a:latin typeface="+mj-lt"/>
-              </a:rPr>
-              <a:t>то </a:t>
-            </a:r>
-            <a:r>
-              <a:rPr lang="en" sz="2600" b="0" i="0" u="none" strike="noStrike" dirty="0">
-                <a:solidFill>
-                  <a:srgbClr val="003399"/>
-                </a:solidFill>
-                <a:effectLst/>
-                <a:latin typeface="+mj-lt"/>
-              </a:rPr>
-              <a:t>JDO </a:t>
-            </a:r>
-            <a:r>
-              <a:rPr lang="ru-RU" sz="2600" b="0" i="0" u="none" strike="noStrike" dirty="0">
-                <a:solidFill>
-                  <a:srgbClr val="003399"/>
-                </a:solidFill>
-                <a:effectLst/>
-                <a:latin typeface="+mj-lt"/>
-              </a:rPr>
-              <a:t>сначала разрабатывался как </a:t>
-            </a:r>
-            <a:r>
-              <a:rPr lang="en" sz="2600" b="0" i="0" u="none" strike="noStrike" dirty="0">
-                <a:solidFill>
-                  <a:srgbClr val="003399"/>
-                </a:solidFill>
-                <a:effectLst/>
-                <a:latin typeface="+mj-lt"/>
-              </a:rPr>
-              <a:t>JSR, </a:t>
-            </a:r>
-            <a:r>
-              <a:rPr lang="ru-RU" sz="2600" b="0" i="0" u="none" strike="noStrike" dirty="0">
-                <a:solidFill>
-                  <a:srgbClr val="003399"/>
-                </a:solidFill>
-                <a:effectLst/>
-                <a:latin typeface="+mj-lt"/>
-              </a:rPr>
-              <a:t>теперь разрабатывается как проект </a:t>
-            </a:r>
-            <a:r>
-              <a:rPr lang="en" sz="2600" b="0" i="0" u="none" strike="noStrike" dirty="0">
-                <a:solidFill>
-                  <a:srgbClr val="003399"/>
-                </a:solidFill>
-                <a:effectLst/>
-                <a:latin typeface="+mj-lt"/>
-              </a:rPr>
-              <a:t>Apache JDO. </a:t>
-            </a:r>
-          </a:p>
-        </p:txBody>
-      </p:sp>
-    </p:spTree>
-    <p:extLst>
-      <p:ext uri="{BB962C8B-B14F-4D97-AF65-F5344CB8AC3E}">
-        <p14:creationId xmlns:p14="http://schemas.microsoft.com/office/powerpoint/2010/main" val="742840288"/>
-      </p:ext>
-    </p:extLst>
-  </p:cSld>
-  <p:clrMapOvr>
-    <a:masterClrMapping/>
-  </p:clrMapOvr>
-</p:sld>
-</file>
-
 <file path=ppt/slides/slide24.xml><?xml version="1.0" encoding="utf-8"?>
 <p:sld xmlns:a="http://schemas.openxmlformats.org/drawingml/2006/main" xmlns:r="http://schemas.openxmlformats.org/officeDocument/2006/relationships" xmlns:p="http://schemas.openxmlformats.org/presentationml/2006/main">
   <p:cSld>
@@ -7230,7 +7017,7 @@
                 </a:solidFill>
                 <a:effectLst/>
               </a:rPr>
-              <a:t>Hibernate</a:t>
+              <a:t>JPA</a:t>
             </a:r>
             <a:endParaRPr lang="en-US" dirty="0">
               <a:solidFill>
@@ -7272,7 +7059,7 @@
                 <a:effectLst/>
                 <a:latin typeface="+mj-lt"/>
               </a:rPr>
-              <a:t>Hibernate </a:t>
+              <a:t>JPA (Java Persistence API) </a:t>
             </a:r>
             <a:r>
               <a:rPr lang="ru-RU" sz="2600" b="0" i="0" u="none" strike="noStrike" dirty="0">
@@ -7282,7 +7069,7 @@
                 <a:effectLst/>
                 <a:latin typeface="+mj-lt"/>
               </a:rPr>
-              <a:t>одна из самых популярных открытых реализаций последней версии спецификации (</a:t>
+              <a:t>это спецификация </a:t>
             </a:r>
             <a:r>
               <a:rPr lang="en" sz="2600" b="0" i="0" u="none" strike="noStrike" dirty="0">
@@ -7292,7 +7079,7 @@
                 <a:effectLst/>
                 <a:latin typeface="+mj-lt"/>
               </a:rPr>
-              <a:t>JPA 2.1). </a:t>
+              <a:t>Java EE </a:t>
             </a:r>
             <a:r>
               <a:rPr lang="ru-RU" sz="2600" b="0" i="0" u="none" strike="noStrike" dirty="0">
@@ -7302,7 +7089,7 @@
                 <a:effectLst/>
                 <a:latin typeface="+mj-lt"/>
               </a:rPr>
-              <a:t>Даже скорее самая популярная, почти стандарт де-факто. То есть </a:t>
+              <a:t>и </a:t>
             </a:r>
             <a:r>
               <a:rPr lang="en" sz="2600" b="0" i="0" u="none" strike="noStrike" dirty="0">
@@ -7312,7 +7099,7 @@
                 <a:effectLst/>
                 <a:latin typeface="+mj-lt"/>
               </a:rPr>
-              <a:t>JPA </a:t>
+              <a:t>Java SE, </a:t>
             </a:r>
             <a:r>
               <a:rPr lang="ru-RU" sz="2600" b="0" i="0" u="none" strike="noStrike" dirty="0">
@@ -7322,7 +7109,7 @@
                 <a:effectLst/>
                 <a:latin typeface="+mj-lt"/>
               </a:rPr>
-              <a:t>только описывает правила и </a:t>
+              <a:t>описывающая систему управления сохранением </a:t>
             </a:r>
             <a:r>
               <a:rPr lang="en" sz="2600" b="0" i="0" u="none" strike="noStrike" dirty="0">
@@ -7332,7 +7119,7 @@
                 <a:effectLst/>
                 <a:latin typeface="+mj-lt"/>
               </a:rPr>
-              <a:t>API, </a:t>
+              <a:t>java </a:t>
             </a:r>
             <a:r>
               <a:rPr lang="ru-RU" sz="2600" b="0" i="0" u="none" strike="noStrike" dirty="0">
@@ -7342,7 +7129,7 @@
                 <a:effectLst/>
                 <a:latin typeface="+mj-lt"/>
               </a:rPr>
-              <a:t>а </a:t>
+              <a:t>объектов в таблицы реляционных баз данных в удобном виде. Сама </a:t>
             </a:r>
             <a:r>
               <a:rPr lang="en" sz="2600" b="0" i="0" u="none" strike="noStrike" dirty="0">
@@ -7352,7 +7139,7 @@
                 <a:effectLst/>
                 <a:latin typeface="+mj-lt"/>
               </a:rPr>
-              <a:t>Hibernate </a:t>
+              <a:t>Java </a:t>
             </a:r>
             <a:r>
               <a:rPr lang="ru-RU" sz="2600" b="0" i="0" u="none" strike="noStrike" dirty="0">
@@ -7362,7 +7149,7 @@
                 <a:effectLst/>
                 <a:latin typeface="+mj-lt"/>
               </a:rPr>
-              <a:t>реализует эти описания, впрочем у </a:t>
+              <a:t>не содержит реализации </a:t>
             </a:r>
             <a:r>
               <a:rPr lang="en" sz="2600" b="0" i="0" u="none" strike="noStrike" dirty="0">
@@ -7372,7 +7159,7 @@
                 <a:effectLst/>
                 <a:latin typeface="+mj-lt"/>
               </a:rPr>
-              <a:t>Hibernate (</a:t>
+              <a:t>JPA, </a:t>
             </a:r>
             <a:r>
               <a:rPr lang="ru-RU" sz="2600" b="0" i="0" u="none" strike="noStrike" dirty="0">
@@ -7382,7 +7169,7 @@
                 <a:effectLst/>
                 <a:latin typeface="+mj-lt"/>
               </a:rPr>
-              <a:t>как и у многих других реализаций </a:t>
+              <a:t>однако есть существует много реализаций данной спецификации от разных компаний (открытых и нет). Это не единственный способ сохранения </a:t>
             </a:r>
             <a:r>
               <a:rPr lang="en" sz="2600" b="0" i="0" u="none" strike="noStrike" dirty="0">
@@ -7392,7 +7179,7 @@
                 <a:effectLst/>
                 <a:latin typeface="+mj-lt"/>
               </a:rPr>
-              <a:t>JPA) </a:t>
+              <a:t>java </a:t>
             </a:r>
             <a:r>
               <a:rPr lang="ru-RU" sz="2600" b="0" i="0" u="none" strike="noStrike" dirty="0">
@@ -7402,7 +7189,7 @@
                 <a:effectLst/>
                 <a:latin typeface="+mj-lt"/>
               </a:rPr>
-              <a:t>есть дополнительные возможности, не описанные в </a:t>
+              <a:t>объектов в базы данных (</a:t>
             </a:r>
             <a:r>
               <a:rPr lang="en" sz="2600" b="0" i="0" u="none" strike="noStrike" dirty="0">
@@ -7412,7 +7199,7 @@
                 <a:effectLst/>
                 <a:latin typeface="+mj-lt"/>
               </a:rPr>
-              <a:t>JPA (</a:t>
+              <a:t>ORM </a:t>
             </a:r>
             <a:r>
               <a:rPr lang="ru-RU" sz="2600" b="0" i="0" u="none" strike="noStrike" dirty="0">
@@ -7422,7 +7209,7 @@
                 <a:effectLst/>
                 <a:latin typeface="+mj-lt"/>
               </a:rPr>
-              <a:t>и не переносимые на другие реализации </a:t>
+              <a:t>систем), но один из самых популярных в </a:t>
             </a:r>
             <a:r>
               <a:rPr lang="en" sz="2600" b="0" i="0" u="none" strike="noStrike" dirty="0">
@@ -7432,15 +7219,32 @@
                 <a:effectLst/>
                 <a:latin typeface="+mj-lt"/>
               </a:rPr>
-              <a:t>JPA).</a:t>
-            </a:r>
+              <a:t>Java </a:t>
+            </a:r>
+            <a:r>
+              <a:rPr lang="ru-RU" sz="2600" b="0" i="0" u="none" strike="noStrike" dirty="0">
+                <a:solidFill>
+                  <a:srgbClr val="003399"/>
+                </a:solidFill>
+                <a:effectLst/>
+                <a:latin typeface="+mj-lt"/>
+              </a:rPr>
+              <a:t>мире.</a:t>
+            </a:r>
+            <a:endParaRPr lang="en" sz="2600" b="0" i="0" u="none" strike="noStrike" dirty="0">
+              <a:solidFill>
+                <a:srgbClr val="003399"/>
+              </a:solidFill>
+              <a:effectLst/>
+              <a:latin typeface="+mj-lt"/>
+            </a:endParaRPr>
           </a:p>
         </p:txBody>
       </p:sp>
     </p:spTree>
     <p:extLst>
       <p:ext uri="{BB962C8B-B14F-4D97-AF65-F5344CB8AC3E}">
-        <p14:creationId xmlns:p14="http://schemas.microsoft.com/office/powerpoint/2010/main" val="4263577827"/>
+        <p14:creationId xmlns:p14="http://schemas.microsoft.com/office/powerpoint/2010/main" val="3710310358"/>
       </p:ext>
     </p:extLst>
   </p:cSld>
@@ -7495,6 +7299,556 @@
                 </a:solidFill>
                 <a:effectLst/>
               </a:rPr>
+              <a:t>JDO</a:t>
+            </a:r>
+            <a:endParaRPr lang="en-US" dirty="0">
+              <a:solidFill>
+                <a:srgbClr val="003399"/>
+              </a:solidFill>
+            </a:endParaRPr>
+          </a:p>
+        </p:txBody>
+      </p:sp>
+      <p:sp>
+        <p:nvSpPr>
+          <p:cNvPr id="3" name="Content Placeholder 2">
+            <a:extLst>
+              <a:ext uri="{FF2B5EF4-FFF2-40B4-BE49-F238E27FC236}">
+                <a16:creationId xmlns:a16="http://schemas.microsoft.com/office/drawing/2014/main" id="{5209A7C4-3D8F-48DB-BD94-B835E20D90BF}"/>
+              </a:ext>
+            </a:extLst>
+          </p:cNvPr>
+          <p:cNvSpPr>
+            <a:spLocks noGrp="1"/>
+          </p:cNvSpPr>
+          <p:nvPr>
+            <p:ph idx="1"/>
+          </p:nvPr>
+        </p:nvSpPr>
+        <p:spPr/>
+        <p:txBody>
+          <a:bodyPr>
+            <a:noAutofit/>
+          </a:bodyPr>
+          <a:lstStyle/>
+          <a:p>
+            <a:pPr algn="l"/>
+            <a:r>
+              <a:rPr lang="en" sz="2600" b="0" i="0" u="none" strike="noStrike" dirty="0">
+                <a:solidFill>
+                  <a:srgbClr val="003399"/>
+                </a:solidFill>
+                <a:effectLst/>
+                <a:latin typeface="+mj-lt"/>
+              </a:rPr>
+              <a:t>JDO </a:t>
+            </a:r>
+            <a:r>
+              <a:rPr lang="ru-RU" sz="2600" b="0" i="0" u="none" strike="noStrike" dirty="0">
+                <a:solidFill>
+                  <a:srgbClr val="003399"/>
+                </a:solidFill>
+                <a:effectLst/>
+                <a:latin typeface="+mj-lt"/>
+              </a:rPr>
+              <a:t>более общая спецификация которая описывает </a:t>
+            </a:r>
+            <a:r>
+              <a:rPr lang="en" sz="2600" b="0" i="0" u="none" strike="noStrike" dirty="0">
+                <a:solidFill>
+                  <a:srgbClr val="003399"/>
+                </a:solidFill>
+                <a:effectLst/>
+                <a:latin typeface="+mj-lt"/>
+              </a:rPr>
+              <a:t>ORM </a:t>
+            </a:r>
+            <a:r>
+              <a:rPr lang="ru-RU" sz="2600" b="0" i="0" u="none" strike="noStrike" dirty="0">
+                <a:solidFill>
+                  <a:srgbClr val="003399"/>
+                </a:solidFill>
+                <a:effectLst/>
+                <a:latin typeface="+mj-lt"/>
+              </a:rPr>
+              <a:t>для любых возможных баз и хранилищ. В принципе можно рассматривать </a:t>
+            </a:r>
+            <a:r>
+              <a:rPr lang="en" sz="2600" b="0" i="0" u="none" strike="noStrike" dirty="0">
+                <a:solidFill>
+                  <a:srgbClr val="003399"/>
+                </a:solidFill>
+                <a:effectLst/>
+                <a:latin typeface="+mj-lt"/>
+              </a:rPr>
+              <a:t>JPA </a:t>
+            </a:r>
+            <a:r>
+              <a:rPr lang="ru-RU" sz="2600" b="0" i="0" u="none" strike="noStrike" dirty="0">
+                <a:solidFill>
+                  <a:srgbClr val="003399"/>
+                </a:solidFill>
+                <a:effectLst/>
+                <a:latin typeface="+mj-lt"/>
+              </a:rPr>
+              <a:t>как специализированную на релятивистских баз часть спецификации </a:t>
+            </a:r>
+            <a:r>
+              <a:rPr lang="en" sz="2600" b="0" i="0" u="none" strike="noStrike" dirty="0">
+                <a:solidFill>
+                  <a:srgbClr val="003399"/>
+                </a:solidFill>
+                <a:effectLst/>
+                <a:latin typeface="+mj-lt"/>
+              </a:rPr>
+              <a:t>JDO, </a:t>
+            </a:r>
+            <a:r>
+              <a:rPr lang="ru-RU" sz="2600" b="0" i="0" u="none" strike="noStrike" dirty="0">
+                <a:solidFill>
+                  <a:srgbClr val="003399"/>
+                </a:solidFill>
+                <a:effectLst/>
+                <a:latin typeface="+mj-lt"/>
+              </a:rPr>
+              <a:t>даже при том что </a:t>
+            </a:r>
+            <a:r>
+              <a:rPr lang="en" sz="2600" b="0" i="0" u="none" strike="noStrike" dirty="0">
+                <a:solidFill>
+                  <a:srgbClr val="003399"/>
+                </a:solidFill>
+                <a:effectLst/>
+                <a:latin typeface="+mj-lt"/>
+              </a:rPr>
+              <a:t>API </a:t>
+            </a:r>
+            <a:r>
+              <a:rPr lang="ru-RU" sz="2600" b="0" i="0" u="none" strike="noStrike" dirty="0">
+                <a:solidFill>
+                  <a:srgbClr val="003399"/>
+                </a:solidFill>
+                <a:effectLst/>
+                <a:latin typeface="+mj-lt"/>
+              </a:rPr>
+              <a:t>этих двух спецификаций не полностью совпадает. Также отличаются «разработчики» спецификаций — если </a:t>
+            </a:r>
+            <a:r>
+              <a:rPr lang="en" sz="2600" b="0" i="0" u="none" strike="noStrike" dirty="0">
+                <a:solidFill>
+                  <a:srgbClr val="003399"/>
+                </a:solidFill>
+                <a:effectLst/>
+                <a:latin typeface="+mj-lt"/>
+              </a:rPr>
+              <a:t>JPA </a:t>
+            </a:r>
+            <a:r>
+              <a:rPr lang="ru-RU" sz="2600" b="0" i="0" u="none" strike="noStrike" dirty="0">
+                <a:solidFill>
+                  <a:srgbClr val="003399"/>
+                </a:solidFill>
+                <a:effectLst/>
+                <a:latin typeface="+mj-lt"/>
+              </a:rPr>
+              <a:t>разрабатывается как </a:t>
+            </a:r>
+            <a:r>
+              <a:rPr lang="en" sz="2600" b="0" i="0" u="none" strike="noStrike" dirty="0">
+                <a:solidFill>
+                  <a:srgbClr val="003399"/>
+                </a:solidFill>
+                <a:effectLst/>
+                <a:latin typeface="+mj-lt"/>
+              </a:rPr>
+              <a:t>JSR, </a:t>
+            </a:r>
+            <a:r>
+              <a:rPr lang="ru-RU" sz="2600" b="0" i="0" u="none" strike="noStrike" dirty="0">
+                <a:solidFill>
+                  <a:srgbClr val="003399"/>
+                </a:solidFill>
+                <a:effectLst/>
+                <a:latin typeface="+mj-lt"/>
+              </a:rPr>
+              <a:t>то </a:t>
+            </a:r>
+            <a:r>
+              <a:rPr lang="en" sz="2600" b="0" i="0" u="none" strike="noStrike" dirty="0">
+                <a:solidFill>
+                  <a:srgbClr val="003399"/>
+                </a:solidFill>
+                <a:effectLst/>
+                <a:latin typeface="+mj-lt"/>
+              </a:rPr>
+              <a:t>JDO </a:t>
+            </a:r>
+            <a:r>
+              <a:rPr lang="ru-RU" sz="2600" b="0" i="0" u="none" strike="noStrike" dirty="0">
+                <a:solidFill>
+                  <a:srgbClr val="003399"/>
+                </a:solidFill>
+                <a:effectLst/>
+                <a:latin typeface="+mj-lt"/>
+              </a:rPr>
+              <a:t>сначала разрабатывался как </a:t>
+            </a:r>
+            <a:r>
+              <a:rPr lang="en" sz="2600" b="0" i="0" u="none" strike="noStrike" dirty="0">
+                <a:solidFill>
+                  <a:srgbClr val="003399"/>
+                </a:solidFill>
+                <a:effectLst/>
+                <a:latin typeface="+mj-lt"/>
+              </a:rPr>
+              <a:t>JSR, </a:t>
+            </a:r>
+            <a:r>
+              <a:rPr lang="ru-RU" sz="2600" b="0" i="0" u="none" strike="noStrike" dirty="0">
+                <a:solidFill>
+                  <a:srgbClr val="003399"/>
+                </a:solidFill>
+                <a:effectLst/>
+                <a:latin typeface="+mj-lt"/>
+              </a:rPr>
+              <a:t>теперь разрабатывается как проект </a:t>
+            </a:r>
+            <a:r>
+              <a:rPr lang="en" sz="2600" b="0" i="0" u="none" strike="noStrike" dirty="0">
+                <a:solidFill>
+                  <a:srgbClr val="003399"/>
+                </a:solidFill>
+                <a:effectLst/>
+                <a:latin typeface="+mj-lt"/>
+              </a:rPr>
+              <a:t>Apache JDO. </a:t>
+            </a:r>
+          </a:p>
+        </p:txBody>
+      </p:sp>
+    </p:spTree>
+    <p:extLst>
+      <p:ext uri="{BB962C8B-B14F-4D97-AF65-F5344CB8AC3E}">
+        <p14:creationId xmlns:p14="http://schemas.microsoft.com/office/powerpoint/2010/main" val="742840288"/>
+      </p:ext>
+    </p:extLst>
+  </p:cSld>
+  <p:clrMapOvr>
+    <a:masterClrMapping/>
+  </p:clrMapOvr>
+</p:sld>
+</file>
+
+<file path=ppt/slides/slide26.xml><?xml version="1.0" encoding="utf-8"?>
+<p:sld xmlns:a="http://schemas.openxmlformats.org/drawingml/2006/main" xmlns:r="http://schemas.openxmlformats.org/officeDocument/2006/relationships" xmlns:p="http://schemas.openxmlformats.org/presentationml/2006/main">
+  <p:cSld>
+    <p:spTree>
+      <p:nvGrpSpPr>
+        <p:cNvPr id="1" name=""/>
+        <p:cNvGrpSpPr/>
+        <p:nvPr/>
+      </p:nvGrpSpPr>
+      <p:grpSpPr>
+        <a:xfrm>
+          <a:off x="0" y="0"/>
+          <a:ext cx="0" cy="0"/>
+          <a:chOff x="0" y="0"/>
+          <a:chExt cx="0" cy="0"/>
+        </a:xfrm>
+      </p:grpSpPr>
+      <p:sp>
+        <p:nvSpPr>
+          <p:cNvPr id="2" name="Title 1">
+            <a:extLst>
+              <a:ext uri="{FF2B5EF4-FFF2-40B4-BE49-F238E27FC236}">
+                <a16:creationId xmlns:a16="http://schemas.microsoft.com/office/drawing/2014/main" id="{47C2523B-489C-4F40-95C6-4B0B98AEA306}"/>
+              </a:ext>
+            </a:extLst>
+          </p:cNvPr>
+          <p:cNvSpPr>
+            <a:spLocks noGrp="1"/>
+          </p:cNvSpPr>
+          <p:nvPr>
+            <p:ph type="title"/>
+          </p:nvPr>
+        </p:nvSpPr>
+        <p:spPr/>
+        <p:txBody>
+          <a:bodyPr/>
+          <a:lstStyle/>
+          <a:p>
+            <a:r>
+              <a:rPr lang="en-US" u="none" strike="noStrike" dirty="0">
+                <a:solidFill>
+                  <a:srgbClr val="003399"/>
+                </a:solidFill>
+                <a:effectLst/>
+              </a:rPr>
+              <a:t>Hibernate</a:t>
+            </a:r>
+            <a:endParaRPr lang="en-US" dirty="0">
+              <a:solidFill>
+                <a:srgbClr val="003399"/>
+              </a:solidFill>
+            </a:endParaRPr>
+          </a:p>
+        </p:txBody>
+      </p:sp>
+      <p:sp>
+        <p:nvSpPr>
+          <p:cNvPr id="3" name="Content Placeholder 2">
+            <a:extLst>
+              <a:ext uri="{FF2B5EF4-FFF2-40B4-BE49-F238E27FC236}">
+                <a16:creationId xmlns:a16="http://schemas.microsoft.com/office/drawing/2014/main" id="{5209A7C4-3D8F-48DB-BD94-B835E20D90BF}"/>
+              </a:ext>
+            </a:extLst>
+          </p:cNvPr>
+          <p:cNvSpPr>
+            <a:spLocks noGrp="1"/>
+          </p:cNvSpPr>
+          <p:nvPr>
+            <p:ph idx="1"/>
+          </p:nvPr>
+        </p:nvSpPr>
+        <p:spPr/>
+        <p:txBody>
+          <a:bodyPr>
+            <a:noAutofit/>
+          </a:bodyPr>
+          <a:lstStyle/>
+          <a:p>
+            <a:pPr algn="l"/>
+            <a:r>
+              <a:rPr lang="en" sz="2600" b="0" i="0" u="none" strike="noStrike" dirty="0">
+                <a:solidFill>
+                  <a:srgbClr val="003399"/>
+                </a:solidFill>
+                <a:effectLst/>
+                <a:latin typeface="+mj-lt"/>
+              </a:rPr>
+              <a:t>Hibernate </a:t>
+            </a:r>
+            <a:r>
+              <a:rPr lang="ru-RU" sz="2600" b="0" i="0" u="none" strike="noStrike" dirty="0">
+                <a:solidFill>
+                  <a:srgbClr val="003399"/>
+                </a:solidFill>
+                <a:effectLst/>
+                <a:latin typeface="+mj-lt"/>
+              </a:rPr>
+              <a:t>одна из самых популярных открытых реализаций последней версии спецификации (</a:t>
+            </a:r>
+            <a:r>
+              <a:rPr lang="en" sz="2600" b="0" i="0" u="none" strike="noStrike" dirty="0">
+                <a:solidFill>
+                  <a:srgbClr val="003399"/>
+                </a:solidFill>
+                <a:effectLst/>
+                <a:latin typeface="+mj-lt"/>
+              </a:rPr>
+              <a:t>JPA 2.1). </a:t>
+            </a:r>
+            <a:r>
+              <a:rPr lang="ru-RU" sz="2600" b="0" i="0" u="none" strike="noStrike" dirty="0">
+                <a:solidFill>
+                  <a:srgbClr val="003399"/>
+                </a:solidFill>
+                <a:effectLst/>
+                <a:latin typeface="+mj-lt"/>
+              </a:rPr>
+              <a:t>Даже скорее самая популярная, почти стандарт де-факто. То есть </a:t>
+            </a:r>
+            <a:r>
+              <a:rPr lang="en" sz="2600" b="0" i="0" u="none" strike="noStrike" dirty="0">
+                <a:solidFill>
+                  <a:srgbClr val="003399"/>
+                </a:solidFill>
+                <a:effectLst/>
+                <a:latin typeface="+mj-lt"/>
+              </a:rPr>
+              <a:t>JPA </a:t>
+            </a:r>
+            <a:r>
+              <a:rPr lang="ru-RU" sz="2600" b="0" i="0" u="none" strike="noStrike" dirty="0">
+                <a:solidFill>
+                  <a:srgbClr val="003399"/>
+                </a:solidFill>
+                <a:effectLst/>
+                <a:latin typeface="+mj-lt"/>
+              </a:rPr>
+              <a:t>только описывает правила и </a:t>
+            </a:r>
+            <a:r>
+              <a:rPr lang="en" sz="2600" b="0" i="0" u="none" strike="noStrike" dirty="0">
+                <a:solidFill>
+                  <a:srgbClr val="003399"/>
+                </a:solidFill>
+                <a:effectLst/>
+                <a:latin typeface="+mj-lt"/>
+              </a:rPr>
+              <a:t>API, </a:t>
+            </a:r>
+            <a:r>
+              <a:rPr lang="ru-RU" sz="2600" b="0" i="0" u="none" strike="noStrike" dirty="0">
+                <a:solidFill>
+                  <a:srgbClr val="003399"/>
+                </a:solidFill>
+                <a:effectLst/>
+                <a:latin typeface="+mj-lt"/>
+              </a:rPr>
+              <a:t>а </a:t>
+            </a:r>
+            <a:r>
+              <a:rPr lang="en" sz="2600" b="0" i="0" u="none" strike="noStrike" dirty="0">
+                <a:solidFill>
+                  <a:srgbClr val="003399"/>
+                </a:solidFill>
+                <a:effectLst/>
+                <a:latin typeface="+mj-lt"/>
+              </a:rPr>
+              <a:t>Hibernate </a:t>
+            </a:r>
+            <a:r>
+              <a:rPr lang="ru-RU" sz="2600" b="0" i="0" u="none" strike="noStrike" dirty="0">
+                <a:solidFill>
+                  <a:srgbClr val="003399"/>
+                </a:solidFill>
+                <a:effectLst/>
+                <a:latin typeface="+mj-lt"/>
+              </a:rPr>
+              <a:t>реализует эти описания, впрочем у </a:t>
+            </a:r>
+            <a:r>
+              <a:rPr lang="en" sz="2600" b="0" i="0" u="none" strike="noStrike" dirty="0">
+                <a:solidFill>
+                  <a:srgbClr val="003399"/>
+                </a:solidFill>
+                <a:effectLst/>
+                <a:latin typeface="+mj-lt"/>
+              </a:rPr>
+              <a:t>Hibernate (</a:t>
+            </a:r>
+            <a:r>
+              <a:rPr lang="ru-RU" sz="2600" b="0" i="0" u="none" strike="noStrike" dirty="0">
+                <a:solidFill>
+                  <a:srgbClr val="003399"/>
+                </a:solidFill>
+                <a:effectLst/>
+                <a:latin typeface="+mj-lt"/>
+              </a:rPr>
+              <a:t>как и у многих других реализаций </a:t>
+            </a:r>
+            <a:r>
+              <a:rPr lang="en" sz="2600" b="0" i="0" u="none" strike="noStrike" dirty="0">
+                <a:solidFill>
+                  <a:srgbClr val="003399"/>
+                </a:solidFill>
+                <a:effectLst/>
+                <a:latin typeface="+mj-lt"/>
+              </a:rPr>
+              <a:t>JPA) </a:t>
+            </a:r>
+            <a:r>
+              <a:rPr lang="ru-RU" sz="2600" b="0" i="0" u="none" strike="noStrike" dirty="0">
+                <a:solidFill>
+                  <a:srgbClr val="003399"/>
+                </a:solidFill>
+                <a:effectLst/>
+                <a:latin typeface="+mj-lt"/>
+              </a:rPr>
+              <a:t>есть дополнительные возможности, не описанные в </a:t>
+            </a:r>
+            <a:r>
+              <a:rPr lang="en" sz="2600" b="0" i="0" u="none" strike="noStrike" dirty="0">
+                <a:solidFill>
+                  <a:srgbClr val="003399"/>
+                </a:solidFill>
+                <a:effectLst/>
+                <a:latin typeface="+mj-lt"/>
+              </a:rPr>
+              <a:t>JPA (</a:t>
+            </a:r>
+            <a:r>
+              <a:rPr lang="ru-RU" sz="2600" b="0" i="0" u="none" strike="noStrike" dirty="0">
+                <a:solidFill>
+                  <a:srgbClr val="003399"/>
+                </a:solidFill>
+                <a:effectLst/>
+                <a:latin typeface="+mj-lt"/>
+              </a:rPr>
+              <a:t>и не переносимые на другие реализации </a:t>
+            </a:r>
+            <a:r>
+              <a:rPr lang="en" sz="2600" b="0" i="0" u="none" strike="noStrike" dirty="0">
+                <a:solidFill>
+                  <a:srgbClr val="003399"/>
+                </a:solidFill>
+                <a:effectLst/>
+                <a:latin typeface="+mj-lt"/>
+              </a:rPr>
+              <a:t>JPA).</a:t>
+            </a:r>
+          </a:p>
+        </p:txBody>
+      </p:sp>
+    </p:spTree>
+    <p:extLst>
+      <p:ext uri="{BB962C8B-B14F-4D97-AF65-F5344CB8AC3E}">
+        <p14:creationId xmlns:p14="http://schemas.microsoft.com/office/powerpoint/2010/main" val="4263577827"/>
+      </p:ext>
+    </p:extLst>
+  </p:cSld>
+  <p:clrMapOvr>
+    <a:masterClrMapping/>
+  </p:clrMapOvr>
+</p:sld>
+</file>
+
+<file path=ppt/slides/slide27.xml><?xml version="1.0" encoding="utf-8"?>
+<p:sld xmlns:a="http://schemas.openxmlformats.org/drawingml/2006/main" xmlns:r="http://schemas.openxmlformats.org/officeDocument/2006/relationships" xmlns:p="http://schemas.openxmlformats.org/presentationml/2006/main">
+  <p:cSld>
+    <p:spTree>
+      <p:nvGrpSpPr>
+        <p:cNvPr id="1" name=""/>
+        <p:cNvGrpSpPr/>
+        <p:nvPr/>
+      </p:nvGrpSpPr>
+      <p:grpSpPr>
+        <a:xfrm>
+          <a:off x="0" y="0"/>
+          <a:ext cx="0" cy="0"/>
+          <a:chOff x="0" y="0"/>
+          <a:chExt cx="0" cy="0"/>
+        </a:xfrm>
+      </p:grpSpPr>
+      <p:sp>
+        <p:nvSpPr>
+          <p:cNvPr id="2" name="Title 1">
+            <a:extLst>
+              <a:ext uri="{FF2B5EF4-FFF2-40B4-BE49-F238E27FC236}">
+                <a16:creationId xmlns:a16="http://schemas.microsoft.com/office/drawing/2014/main" id="{47C2523B-489C-4F40-95C6-4B0B98AEA306}"/>
+              </a:ext>
+            </a:extLst>
+          </p:cNvPr>
+          <p:cNvSpPr>
+            <a:spLocks noGrp="1"/>
+          </p:cNvSpPr>
+          <p:nvPr>
+            <p:ph type="title"/>
+          </p:nvPr>
+        </p:nvSpPr>
+        <p:spPr/>
+        <p:txBody>
+          <a:bodyPr/>
+          <a:lstStyle/>
+          <a:p>
+            <a:r>
+              <a:rPr lang="en-US" u="none" strike="noStrike" dirty="0">
+                <a:solidFill>
+                  <a:srgbClr val="003399"/>
+                </a:solidFill>
+                <a:effectLst/>
+              </a:rPr>
               <a:t>JPA Entity</a:t>
             </a:r>
             <a:endParaRPr lang="en-US" dirty="0">
@@ -7637,7 +7991,7 @@
 </p:sld>
 </file>
 
-<file path=ppt/slides/slide26.xml><?xml version="1.0" encoding="utf-8"?>
+<file path=ppt/slides/slide28.xml><?xml version="1.0" encoding="utf-8"?>
 <p:sld xmlns:a="http://schemas.openxmlformats.org/drawingml/2006/main" xmlns:r="http://schemas.openxmlformats.org/officeDocument/2006/relationships" xmlns:p="http://schemas.openxmlformats.org/presentationml/2006/main">
   <p:cSld>
     <p:spTree>
@@ -7740,897 +8094,6 @@
 </p:sld>
 </file>
 
-<file path=ppt/slides/slide27.xml><?xml version="1.0" encoding="utf-8"?>
-<p:sld xmlns:a="http://schemas.openxmlformats.org/drawingml/2006/main" xmlns:r="http://schemas.openxmlformats.org/officeDocument/2006/relationships" xmlns:p="http://schemas.openxmlformats.org/presentationml/2006/main">
-  <p:cSld>
-    <p:spTree>
-      <p:nvGrpSpPr>
-        <p:cNvPr id="1" name=""/>
-        <p:cNvGrpSpPr/>
-        <p:nvPr/>
-      </p:nvGrpSpPr>
-      <p:grpSpPr>
-        <a:xfrm>
-          <a:off x="0" y="0"/>
-          <a:ext cx="0" cy="0"/>
-          <a:chOff x="0" y="0"/>
-          <a:chExt cx="0" cy="0"/>
-        </a:xfrm>
-      </p:grpSpPr>
-      <p:sp>
-        <p:nvSpPr>
-          <p:cNvPr id="2" name="Title 1">
-            <a:extLst>
-              <a:ext uri="{FF2B5EF4-FFF2-40B4-BE49-F238E27FC236}">
-                <a16:creationId xmlns:a16="http://schemas.microsoft.com/office/drawing/2014/main" id="{47C2523B-489C-4F40-95C6-4B0B98AEA306}"/>
-              </a:ext>
-            </a:extLst>
-          </p:cNvPr>
-          <p:cNvSpPr>
-            <a:spLocks noGrp="1"/>
-          </p:cNvSpPr>
-          <p:nvPr>
-            <p:ph type="title"/>
-          </p:nvPr>
-        </p:nvSpPr>
-        <p:spPr/>
-        <p:txBody>
-          <a:bodyPr/>
-          <a:lstStyle/>
-          <a:p>
-            <a:r>
-              <a:rPr lang="en-US" u="none" strike="noStrike" dirty="0">
-                <a:solidFill>
-                  <a:srgbClr val="003399"/>
-                </a:solidFill>
-                <a:effectLst/>
-              </a:rPr>
-              <a:t>JPA </a:t>
-            </a:r>
-            <a:r>
-              <a:rPr lang="en-US" u="none" strike="noStrike" dirty="0" err="1">
-                <a:solidFill>
-                  <a:srgbClr val="003399"/>
-                </a:solidFill>
-                <a:effectLst/>
-              </a:rPr>
-              <a:t>EntityManager</a:t>
-            </a:r>
-            <a:endParaRPr lang="en-US" dirty="0">
-              <a:solidFill>
-                <a:srgbClr val="003399"/>
-              </a:solidFill>
-            </a:endParaRPr>
-          </a:p>
-        </p:txBody>
-      </p:sp>
-      <p:sp>
-        <p:nvSpPr>
-          <p:cNvPr id="3" name="Content Placeholder 2">
-            <a:extLst>
-              <a:ext uri="{FF2B5EF4-FFF2-40B4-BE49-F238E27FC236}">
-                <a16:creationId xmlns:a16="http://schemas.microsoft.com/office/drawing/2014/main" id="{5209A7C4-3D8F-48DB-BD94-B835E20D90BF}"/>
-              </a:ext>
-            </a:extLst>
-          </p:cNvPr>
-          <p:cNvSpPr>
-            <a:spLocks noGrp="1"/>
-          </p:cNvSpPr>
-          <p:nvPr>
-            <p:ph idx="1"/>
-          </p:nvPr>
-        </p:nvSpPr>
-        <p:spPr/>
-        <p:txBody>
-          <a:bodyPr>
-            <a:noAutofit/>
-          </a:bodyPr>
-          <a:lstStyle/>
-          <a:p>
-            <a:pPr algn="l"/>
-            <a:r>
-              <a:rPr lang="en" sz="2600" b="0" i="0" u="none" strike="noStrike" dirty="0" err="1">
-                <a:solidFill>
-                  <a:srgbClr val="003399"/>
-                </a:solidFill>
-                <a:effectLst/>
-                <a:latin typeface="+mj-lt"/>
-              </a:rPr>
-              <a:t>EntityManager</a:t>
-            </a:r>
-            <a:r>
-              <a:rPr lang="en" sz="2600" b="0" i="0" u="none" strike="noStrike" dirty="0">
-                <a:solidFill>
-                  <a:srgbClr val="003399"/>
-                </a:solidFill>
-                <a:effectLst/>
-                <a:latin typeface="+mj-lt"/>
-              </a:rPr>
-              <a:t> </a:t>
-            </a:r>
-            <a:r>
-              <a:rPr lang="ru-RU" sz="2600" b="0" i="0" u="none" strike="noStrike" dirty="0">
-                <a:solidFill>
-                  <a:srgbClr val="003399"/>
-                </a:solidFill>
-                <a:effectLst/>
-                <a:latin typeface="+mj-lt"/>
-              </a:rPr>
-              <a:t>это интерфейс, который описывает </a:t>
-            </a:r>
-            <a:r>
-              <a:rPr lang="en" sz="2600" b="0" i="0" u="none" strike="noStrike" dirty="0">
-                <a:solidFill>
-                  <a:srgbClr val="003399"/>
-                </a:solidFill>
-                <a:effectLst/>
-                <a:latin typeface="+mj-lt"/>
-              </a:rPr>
-              <a:t>API </a:t>
-            </a:r>
-            <a:r>
-              <a:rPr lang="ru-RU" sz="2600" b="0" i="0" u="none" strike="noStrike" dirty="0">
-                <a:solidFill>
-                  <a:srgbClr val="003399"/>
-                </a:solidFill>
-                <a:effectLst/>
-                <a:latin typeface="+mj-lt"/>
-              </a:rPr>
-              <a:t>для всех основных операций над </a:t>
-            </a:r>
-            <a:r>
-              <a:rPr lang="en" sz="2600" b="0" i="0" u="none" strike="noStrike" dirty="0" err="1">
-                <a:solidFill>
-                  <a:srgbClr val="003399"/>
-                </a:solidFill>
-                <a:effectLst/>
-                <a:latin typeface="+mj-lt"/>
-              </a:rPr>
-              <a:t>Enitity</a:t>
-            </a:r>
-            <a:r>
-              <a:rPr lang="en" sz="2600" b="0" i="0" u="none" strike="noStrike" dirty="0">
-                <a:solidFill>
-                  <a:srgbClr val="003399"/>
-                </a:solidFill>
-                <a:effectLst/>
-                <a:latin typeface="+mj-lt"/>
-              </a:rPr>
-              <a:t>, </a:t>
-            </a:r>
-            <a:r>
-              <a:rPr lang="ru-RU" sz="2600" b="0" i="0" u="none" strike="noStrike" dirty="0">
-                <a:solidFill>
-                  <a:srgbClr val="003399"/>
-                </a:solidFill>
-                <a:effectLst/>
-                <a:latin typeface="+mj-lt"/>
-              </a:rPr>
-              <a:t>получение данных и других сущностей </a:t>
-            </a:r>
-            <a:r>
-              <a:rPr lang="en" sz="2600" b="0" i="0" u="none" strike="noStrike" dirty="0">
-                <a:solidFill>
-                  <a:srgbClr val="003399"/>
-                </a:solidFill>
-                <a:effectLst/>
-                <a:latin typeface="+mj-lt"/>
-              </a:rPr>
-              <a:t>JPA. </a:t>
-            </a:r>
-            <a:r>
-              <a:rPr lang="ru-RU" sz="2600" b="0" i="0" u="none" strike="noStrike" dirty="0">
-                <a:solidFill>
-                  <a:srgbClr val="003399"/>
-                </a:solidFill>
-                <a:effectLst/>
-                <a:latin typeface="+mj-lt"/>
-              </a:rPr>
-              <a:t>По сути главный </a:t>
-            </a:r>
-            <a:r>
-              <a:rPr lang="en" sz="2600" b="0" i="0" u="none" strike="noStrike" dirty="0">
-                <a:solidFill>
-                  <a:srgbClr val="003399"/>
-                </a:solidFill>
-                <a:effectLst/>
-                <a:latin typeface="+mj-lt"/>
-              </a:rPr>
-              <a:t>API </a:t>
-            </a:r>
-            <a:r>
-              <a:rPr lang="ru-RU" sz="2600" b="0" i="0" u="none" strike="noStrike" dirty="0">
-                <a:solidFill>
-                  <a:srgbClr val="003399"/>
-                </a:solidFill>
-                <a:effectLst/>
-                <a:latin typeface="+mj-lt"/>
-              </a:rPr>
-              <a:t>для работы с </a:t>
-            </a:r>
-            <a:r>
-              <a:rPr lang="en" sz="2600" b="0" i="0" u="none" strike="noStrike" dirty="0">
-                <a:solidFill>
-                  <a:srgbClr val="003399"/>
-                </a:solidFill>
-                <a:effectLst/>
-                <a:latin typeface="+mj-lt"/>
-              </a:rPr>
-              <a:t>JPA. </a:t>
-            </a:r>
-            <a:r>
-              <a:rPr lang="ru-RU" sz="2600" b="0" i="0" u="none" strike="noStrike" dirty="0">
-                <a:solidFill>
-                  <a:srgbClr val="003399"/>
-                </a:solidFill>
-                <a:effectLst/>
-                <a:latin typeface="+mj-lt"/>
-              </a:rPr>
-              <a:t>Основные операции:</a:t>
-            </a:r>
-            <a:br>
-              <a:rPr lang="ru-RU" sz="2600" b="0" i="0" u="none" strike="noStrike" dirty="0">
-                <a:solidFill>
-                  <a:srgbClr val="003399"/>
-                </a:solidFill>
-                <a:effectLst/>
-                <a:latin typeface="+mj-lt"/>
-              </a:rPr>
-            </a:br>
-            <a:r>
-              <a:rPr lang="ru-RU" sz="2600" b="0" i="0" u="none" strike="noStrike" dirty="0">
-                <a:solidFill>
-                  <a:srgbClr val="003399"/>
-                </a:solidFill>
-                <a:effectLst/>
-                <a:latin typeface="+mj-lt"/>
-              </a:rPr>
-              <a:t>1) Для операций над </a:t>
-            </a:r>
-            <a:r>
-              <a:rPr lang="en" sz="2600" b="0" i="0" u="none" strike="noStrike" dirty="0">
-                <a:solidFill>
-                  <a:srgbClr val="003399"/>
-                </a:solidFill>
-                <a:effectLst/>
-                <a:latin typeface="+mj-lt"/>
-              </a:rPr>
-              <a:t>Entity: persist, merge</a:t>
-            </a:r>
-            <a:r>
-              <a:rPr lang="ru-RU" sz="2600" b="0" i="0" u="none" strike="noStrike" dirty="0">
-                <a:solidFill>
-                  <a:srgbClr val="003399"/>
-                </a:solidFill>
-                <a:effectLst/>
-                <a:latin typeface="+mj-lt"/>
-              </a:rPr>
-              <a:t>, </a:t>
-            </a:r>
-            <a:r>
-              <a:rPr lang="en" sz="2600" b="0" i="0" u="none" strike="noStrike" dirty="0">
-                <a:solidFill>
-                  <a:srgbClr val="003399"/>
-                </a:solidFill>
-                <a:effectLst/>
-                <a:latin typeface="+mj-lt"/>
-              </a:rPr>
-              <a:t>remove, refresh</a:t>
-            </a:r>
-            <a:r>
-              <a:rPr lang="ru-RU" sz="2600" b="0" i="0" u="none" strike="noStrike" dirty="0">
-                <a:solidFill>
-                  <a:srgbClr val="003399"/>
-                </a:solidFill>
-                <a:effectLst/>
-                <a:latin typeface="+mj-lt"/>
-              </a:rPr>
-              <a:t>), </a:t>
-            </a:r>
-            <a:r>
-              <a:rPr lang="en" sz="2600" b="0" i="0" u="none" strike="noStrike" dirty="0">
-                <a:solidFill>
-                  <a:srgbClr val="003399"/>
-                </a:solidFill>
-                <a:effectLst/>
-                <a:latin typeface="+mj-lt"/>
-              </a:rPr>
-              <a:t>detach, lock</a:t>
-            </a:r>
-            <a:br>
-              <a:rPr lang="en" sz="2600" b="0" i="0" u="none" strike="noStrike" dirty="0">
-                <a:solidFill>
-                  <a:srgbClr val="003399"/>
-                </a:solidFill>
-                <a:effectLst/>
-                <a:latin typeface="+mj-lt"/>
-              </a:rPr>
-            </a:br>
-            <a:r>
-              <a:rPr lang="en" sz="2600" b="0" i="0" u="none" strike="noStrike" dirty="0">
-                <a:solidFill>
-                  <a:srgbClr val="003399"/>
-                </a:solidFill>
-                <a:effectLst/>
-                <a:latin typeface="+mj-lt"/>
-              </a:rPr>
-              <a:t>2) </a:t>
-            </a:r>
-            <a:r>
-              <a:rPr lang="ru-RU" sz="2600" b="0" i="0" u="none" strike="noStrike" dirty="0">
-                <a:solidFill>
-                  <a:srgbClr val="003399"/>
-                </a:solidFill>
-                <a:effectLst/>
-                <a:latin typeface="+mj-lt"/>
-              </a:rPr>
-              <a:t>Получение данных: </a:t>
-            </a:r>
-            <a:r>
-              <a:rPr lang="en" sz="2600" b="0" i="0" u="none" strike="noStrike" dirty="0">
-                <a:solidFill>
-                  <a:srgbClr val="003399"/>
-                </a:solidFill>
-                <a:effectLst/>
-                <a:latin typeface="+mj-lt"/>
-              </a:rPr>
-              <a:t>find, </a:t>
-            </a:r>
-            <a:r>
-              <a:rPr lang="en" sz="2600" b="0" i="0" u="none" strike="noStrike" dirty="0" err="1">
-                <a:solidFill>
-                  <a:srgbClr val="003399"/>
-                </a:solidFill>
-                <a:effectLst/>
-                <a:latin typeface="+mj-lt"/>
-              </a:rPr>
-              <a:t>createQuery</a:t>
-            </a:r>
-            <a:r>
-              <a:rPr lang="en" sz="2600" b="0" i="0" u="none" strike="noStrike" dirty="0">
-                <a:solidFill>
-                  <a:srgbClr val="003399"/>
-                </a:solidFill>
-                <a:effectLst/>
-                <a:latin typeface="+mj-lt"/>
-              </a:rPr>
-              <a:t>, </a:t>
-            </a:r>
-            <a:r>
-              <a:rPr lang="en" sz="2600" b="0" i="0" u="none" strike="noStrike" dirty="0" err="1">
-                <a:solidFill>
-                  <a:srgbClr val="003399"/>
-                </a:solidFill>
-                <a:effectLst/>
-                <a:latin typeface="+mj-lt"/>
-              </a:rPr>
-              <a:t>createNamedQuery</a:t>
-            </a:r>
-            <a:r>
-              <a:rPr lang="en" sz="2600" b="0" i="0" u="none" strike="noStrike" dirty="0">
-                <a:solidFill>
-                  <a:srgbClr val="003399"/>
-                </a:solidFill>
-                <a:effectLst/>
-                <a:latin typeface="+mj-lt"/>
-              </a:rPr>
-              <a:t>, </a:t>
-            </a:r>
-            <a:r>
-              <a:rPr lang="en" sz="2600" b="0" i="0" u="none" strike="noStrike" dirty="0" err="1">
-                <a:solidFill>
-                  <a:srgbClr val="003399"/>
-                </a:solidFill>
-                <a:effectLst/>
-                <a:latin typeface="+mj-lt"/>
-              </a:rPr>
-              <a:t>createNativeQuery</a:t>
-            </a:r>
-            <a:r>
-              <a:rPr lang="en" sz="2600" b="0" i="0" u="none" strike="noStrike" dirty="0">
-                <a:solidFill>
-                  <a:srgbClr val="003399"/>
-                </a:solidFill>
-                <a:effectLst/>
-                <a:latin typeface="+mj-lt"/>
-              </a:rPr>
-              <a:t>, contains, </a:t>
-            </a:r>
-            <a:r>
-              <a:rPr lang="en" sz="2600" b="0" i="0" u="none" strike="noStrike" dirty="0" err="1">
-                <a:solidFill>
-                  <a:srgbClr val="003399"/>
-                </a:solidFill>
-                <a:effectLst/>
-                <a:latin typeface="+mj-lt"/>
-              </a:rPr>
-              <a:t>createNamedStoredProcedureQuery</a:t>
-            </a:r>
-            <a:r>
-              <a:rPr lang="en" sz="2600" b="0" i="0" u="none" strike="noStrike" dirty="0">
-                <a:solidFill>
-                  <a:srgbClr val="003399"/>
-                </a:solidFill>
-                <a:effectLst/>
-                <a:latin typeface="+mj-lt"/>
-              </a:rPr>
-              <a:t>, </a:t>
-            </a:r>
-            <a:r>
-              <a:rPr lang="en" sz="2600" b="0" i="0" u="none" strike="noStrike" dirty="0" err="1">
-                <a:solidFill>
-                  <a:srgbClr val="003399"/>
-                </a:solidFill>
-                <a:effectLst/>
-                <a:latin typeface="+mj-lt"/>
-              </a:rPr>
-              <a:t>createStoredProcedureQuery</a:t>
-            </a:r>
-            <a:br>
-              <a:rPr lang="en" sz="2600" b="0" i="0" u="none" strike="noStrike" dirty="0">
-                <a:solidFill>
-                  <a:srgbClr val="003399"/>
-                </a:solidFill>
-                <a:effectLst/>
-                <a:latin typeface="+mj-lt"/>
-              </a:rPr>
-            </a:br>
-            <a:r>
-              <a:rPr lang="en" sz="2600" b="0" i="0" u="none" strike="noStrike" dirty="0">
-                <a:solidFill>
-                  <a:srgbClr val="003399"/>
-                </a:solidFill>
-                <a:effectLst/>
-                <a:latin typeface="+mj-lt"/>
-              </a:rPr>
-              <a:t>3) </a:t>
-            </a:r>
-            <a:r>
-              <a:rPr lang="ru-RU" sz="2600" b="0" i="0" u="none" strike="noStrike" dirty="0">
-                <a:solidFill>
-                  <a:srgbClr val="003399"/>
-                </a:solidFill>
-                <a:effectLst/>
-                <a:latin typeface="+mj-lt"/>
-              </a:rPr>
-              <a:t>Получение других сущностей </a:t>
-            </a:r>
-            <a:r>
-              <a:rPr lang="en" sz="2600" b="0" i="0" u="none" strike="noStrike" dirty="0">
-                <a:solidFill>
-                  <a:srgbClr val="003399"/>
-                </a:solidFill>
-                <a:effectLst/>
-                <a:latin typeface="+mj-lt"/>
-              </a:rPr>
-              <a:t>JPA: </a:t>
-            </a:r>
-            <a:r>
-              <a:rPr lang="en" sz="2600" b="0" i="0" u="none" strike="noStrike" dirty="0" err="1">
-                <a:solidFill>
-                  <a:srgbClr val="003399"/>
-                </a:solidFill>
-                <a:effectLst/>
-                <a:latin typeface="+mj-lt"/>
-              </a:rPr>
-              <a:t>getTransaction</a:t>
-            </a:r>
-            <a:r>
-              <a:rPr lang="en" sz="2600" b="0" i="0" u="none" strike="noStrike" dirty="0">
-                <a:solidFill>
-                  <a:srgbClr val="003399"/>
-                </a:solidFill>
-                <a:effectLst/>
-                <a:latin typeface="+mj-lt"/>
-              </a:rPr>
-              <a:t>, </a:t>
-            </a:r>
-            <a:r>
-              <a:rPr lang="en" sz="2600" b="0" i="0" u="none" strike="noStrike" dirty="0" err="1">
-                <a:solidFill>
-                  <a:srgbClr val="003399"/>
-                </a:solidFill>
-                <a:effectLst/>
-                <a:latin typeface="+mj-lt"/>
-              </a:rPr>
-              <a:t>getEntityManagerFactory</a:t>
-            </a:r>
-            <a:r>
-              <a:rPr lang="en" sz="2600" b="0" i="0" u="none" strike="noStrike" dirty="0">
-                <a:solidFill>
-                  <a:srgbClr val="003399"/>
-                </a:solidFill>
-                <a:effectLst/>
-                <a:latin typeface="+mj-lt"/>
-              </a:rPr>
-              <a:t>, </a:t>
-            </a:r>
-            <a:r>
-              <a:rPr lang="en" sz="2600" b="0" i="0" u="none" strike="noStrike" dirty="0" err="1">
-                <a:solidFill>
-                  <a:srgbClr val="003399"/>
-                </a:solidFill>
-                <a:effectLst/>
-                <a:latin typeface="+mj-lt"/>
-              </a:rPr>
-              <a:t>getCriteriaBuilder</a:t>
-            </a:r>
-            <a:r>
-              <a:rPr lang="en" sz="2600" b="0" i="0" u="none" strike="noStrike" dirty="0">
-                <a:solidFill>
-                  <a:srgbClr val="003399"/>
-                </a:solidFill>
-                <a:effectLst/>
-                <a:latin typeface="+mj-lt"/>
-              </a:rPr>
-              <a:t>, </a:t>
-            </a:r>
-            <a:r>
-              <a:rPr lang="en" sz="2600" b="0" i="0" u="none" strike="noStrike" dirty="0" err="1">
-                <a:solidFill>
-                  <a:srgbClr val="003399"/>
-                </a:solidFill>
-                <a:effectLst/>
-                <a:latin typeface="+mj-lt"/>
-              </a:rPr>
-              <a:t>getMetamodel</a:t>
-            </a:r>
-            <a:r>
-              <a:rPr lang="en" sz="2600" b="0" i="0" u="none" strike="noStrike" dirty="0">
-                <a:solidFill>
-                  <a:srgbClr val="003399"/>
-                </a:solidFill>
-                <a:effectLst/>
-                <a:latin typeface="+mj-lt"/>
-              </a:rPr>
-              <a:t>, </a:t>
-            </a:r>
-            <a:r>
-              <a:rPr lang="en" sz="2600" b="0" i="0" u="none" strike="noStrike" dirty="0" err="1">
-                <a:solidFill>
-                  <a:srgbClr val="003399"/>
-                </a:solidFill>
-                <a:effectLst/>
-                <a:latin typeface="+mj-lt"/>
-              </a:rPr>
-              <a:t>getDelegate</a:t>
-            </a:r>
-            <a:br>
-              <a:rPr lang="en" sz="2600" b="0" i="0" u="none" strike="noStrike" dirty="0">
-                <a:solidFill>
-                  <a:srgbClr val="003399"/>
-                </a:solidFill>
-                <a:effectLst/>
-                <a:latin typeface="+mj-lt"/>
-              </a:rPr>
-            </a:br>
-            <a:r>
-              <a:rPr lang="en" sz="2600" b="0" i="0" u="none" strike="noStrike" dirty="0">
-                <a:solidFill>
-                  <a:srgbClr val="003399"/>
-                </a:solidFill>
-                <a:effectLst/>
-                <a:latin typeface="+mj-lt"/>
-              </a:rPr>
-              <a:t>4) </a:t>
-            </a:r>
-            <a:r>
-              <a:rPr lang="ru-RU" sz="2600" b="0" i="0" u="none" strike="noStrike" dirty="0">
-                <a:solidFill>
-                  <a:srgbClr val="003399"/>
-                </a:solidFill>
-                <a:effectLst/>
-                <a:latin typeface="+mj-lt"/>
-              </a:rPr>
-              <a:t>Работа с </a:t>
-            </a:r>
-            <a:r>
-              <a:rPr lang="en" sz="2600" b="0" i="0" u="none" strike="noStrike" dirty="0" err="1">
-                <a:solidFill>
-                  <a:srgbClr val="003399"/>
-                </a:solidFill>
-                <a:effectLst/>
-                <a:latin typeface="+mj-lt"/>
-              </a:rPr>
-              <a:t>EntityGraph</a:t>
-            </a:r>
-            <a:r>
-              <a:rPr lang="en" sz="2600" b="0" i="0" u="none" strike="noStrike" dirty="0">
-                <a:solidFill>
-                  <a:srgbClr val="003399"/>
-                </a:solidFill>
-                <a:effectLst/>
-                <a:latin typeface="+mj-lt"/>
-              </a:rPr>
-              <a:t>: </a:t>
-            </a:r>
-            <a:r>
-              <a:rPr lang="en" sz="2600" b="0" i="0" u="none" strike="noStrike" dirty="0" err="1">
-                <a:solidFill>
-                  <a:srgbClr val="003399"/>
-                </a:solidFill>
-                <a:effectLst/>
-                <a:latin typeface="+mj-lt"/>
-              </a:rPr>
-              <a:t>createEntityGraph</a:t>
-            </a:r>
-            <a:r>
-              <a:rPr lang="en" sz="2600" b="0" i="0" u="none" strike="noStrike" dirty="0">
-                <a:solidFill>
-                  <a:srgbClr val="003399"/>
-                </a:solidFill>
-                <a:effectLst/>
-                <a:latin typeface="+mj-lt"/>
-              </a:rPr>
-              <a:t>, </a:t>
-            </a:r>
-            <a:r>
-              <a:rPr lang="en" sz="2600" b="0" i="0" u="none" strike="noStrike" dirty="0" err="1">
-                <a:solidFill>
-                  <a:srgbClr val="003399"/>
-                </a:solidFill>
-                <a:effectLst/>
-                <a:latin typeface="+mj-lt"/>
-              </a:rPr>
-              <a:t>getEntityGraph</a:t>
-            </a:r>
-            <a:br>
-              <a:rPr lang="en" sz="2600" b="0" i="0" u="none" strike="noStrike" dirty="0">
-                <a:solidFill>
-                  <a:srgbClr val="003399"/>
-                </a:solidFill>
-                <a:effectLst/>
-                <a:latin typeface="+mj-lt"/>
-              </a:rPr>
-            </a:br>
-            <a:r>
-              <a:rPr lang="en" sz="2600" b="0" i="0" u="none" strike="noStrike" dirty="0">
-                <a:solidFill>
-                  <a:srgbClr val="003399"/>
-                </a:solidFill>
-                <a:effectLst/>
-                <a:latin typeface="+mj-lt"/>
-              </a:rPr>
-              <a:t>4) </a:t>
-            </a:r>
-            <a:r>
-              <a:rPr lang="ru-RU" sz="2600" b="0" i="0" u="none" strike="noStrike" dirty="0">
-                <a:solidFill>
-                  <a:srgbClr val="003399"/>
-                </a:solidFill>
-                <a:effectLst/>
-                <a:latin typeface="+mj-lt"/>
-              </a:rPr>
-              <a:t>Общие операции над </a:t>
-            </a:r>
-            <a:r>
-              <a:rPr lang="en" sz="2600" b="0" i="0" u="none" strike="noStrike" dirty="0" err="1">
-                <a:solidFill>
-                  <a:srgbClr val="003399"/>
-                </a:solidFill>
-                <a:effectLst/>
-                <a:latin typeface="+mj-lt"/>
-              </a:rPr>
-              <a:t>EntityManager</a:t>
-            </a:r>
-            <a:r>
-              <a:rPr lang="en" sz="2600" b="0" i="0" u="none" strike="noStrike" dirty="0">
-                <a:solidFill>
-                  <a:srgbClr val="003399"/>
-                </a:solidFill>
-                <a:effectLst/>
-                <a:latin typeface="+mj-lt"/>
-              </a:rPr>
-              <a:t> </a:t>
-            </a:r>
-            <a:r>
-              <a:rPr lang="ru-RU" sz="2600" b="0" i="0" u="none" strike="noStrike" dirty="0">
-                <a:solidFill>
-                  <a:srgbClr val="003399"/>
-                </a:solidFill>
-                <a:effectLst/>
-                <a:latin typeface="+mj-lt"/>
-              </a:rPr>
-              <a:t>или всеми </a:t>
-            </a:r>
-            <a:r>
-              <a:rPr lang="en" sz="2600" b="0" i="0" u="none" strike="noStrike" dirty="0">
-                <a:solidFill>
-                  <a:srgbClr val="003399"/>
-                </a:solidFill>
-                <a:effectLst/>
-                <a:latin typeface="+mj-lt"/>
-              </a:rPr>
-              <a:t>Entities: close, </a:t>
-            </a:r>
-            <a:r>
-              <a:rPr lang="en" sz="2600" b="0" i="0" u="none" strike="noStrike" dirty="0" err="1">
-                <a:solidFill>
-                  <a:srgbClr val="003399"/>
-                </a:solidFill>
-                <a:effectLst/>
-                <a:latin typeface="+mj-lt"/>
-              </a:rPr>
-              <a:t>isOpen</a:t>
-            </a:r>
-            <a:r>
-              <a:rPr lang="en" sz="2600" b="0" i="0" u="none" strike="noStrike" dirty="0">
-                <a:solidFill>
-                  <a:srgbClr val="003399"/>
-                </a:solidFill>
-                <a:effectLst/>
-                <a:latin typeface="+mj-lt"/>
-              </a:rPr>
-              <a:t>, </a:t>
-            </a:r>
-            <a:r>
-              <a:rPr lang="en" sz="2600" b="0" i="0" u="none" strike="noStrike" dirty="0" err="1">
-                <a:solidFill>
-                  <a:srgbClr val="003399"/>
-                </a:solidFill>
-                <a:effectLst/>
-                <a:latin typeface="+mj-lt"/>
-              </a:rPr>
-              <a:t>getProperties</a:t>
-            </a:r>
-            <a:r>
-              <a:rPr lang="en" sz="2600" b="0" i="0" u="none" strike="noStrike" dirty="0">
-                <a:solidFill>
-                  <a:srgbClr val="003399"/>
-                </a:solidFill>
-                <a:effectLst/>
-                <a:latin typeface="+mj-lt"/>
-              </a:rPr>
-              <a:t>, </a:t>
-            </a:r>
-            <a:r>
-              <a:rPr lang="en" sz="2600" b="0" i="0" u="none" strike="noStrike" dirty="0" err="1">
-                <a:solidFill>
-                  <a:srgbClr val="003399"/>
-                </a:solidFill>
-                <a:effectLst/>
-                <a:latin typeface="+mj-lt"/>
-              </a:rPr>
-              <a:t>setProperty</a:t>
-            </a:r>
-            <a:r>
-              <a:rPr lang="en" sz="2600" b="0" i="0" u="none" strike="noStrike" dirty="0">
-                <a:solidFill>
-                  <a:srgbClr val="003399"/>
-                </a:solidFill>
-                <a:effectLst/>
-                <a:latin typeface="+mj-lt"/>
-              </a:rPr>
-              <a:t>, clear</a:t>
-            </a:r>
-          </a:p>
-        </p:txBody>
-      </p:sp>
-    </p:spTree>
-    <p:extLst>
-      <p:ext uri="{BB962C8B-B14F-4D97-AF65-F5344CB8AC3E}">
-        <p14:creationId xmlns:p14="http://schemas.microsoft.com/office/powerpoint/2010/main" val="2872943952"/>
-      </p:ext>
-    </p:extLst>
-  </p:cSld>
-  <p:clrMapOvr>
-    <a:masterClrMapping/>
-  </p:clrMapOvr>
-</p:sld>
-</file>
-
-<file path=ppt/slides/slide28.xml><?xml version="1.0" encoding="utf-8"?>
-<p:sld xmlns:a="http://schemas.openxmlformats.org/drawingml/2006/main" xmlns:r="http://schemas.openxmlformats.org/officeDocument/2006/relationships" xmlns:p="http://schemas.openxmlformats.org/presentationml/2006/main">
-  <p:cSld>
-    <p:spTree>
-      <p:nvGrpSpPr>
-        <p:cNvPr id="1" name=""/>
-        <p:cNvGrpSpPr/>
-        <p:nvPr/>
-      </p:nvGrpSpPr>
-      <p:grpSpPr>
-        <a:xfrm>
-          <a:off x="0" y="0"/>
-          <a:ext cx="0" cy="0"/>
-          <a:chOff x="0" y="0"/>
-          <a:chExt cx="0" cy="0"/>
-        </a:xfrm>
-      </p:grpSpPr>
-      <p:sp>
-        <p:nvSpPr>
-          <p:cNvPr id="2" name="Title 1">
-            <a:extLst>
-              <a:ext uri="{FF2B5EF4-FFF2-40B4-BE49-F238E27FC236}">
-                <a16:creationId xmlns:a16="http://schemas.microsoft.com/office/drawing/2014/main" id="{47C2523B-489C-4F40-95C6-4B0B98AEA306}"/>
-              </a:ext>
-            </a:extLst>
-          </p:cNvPr>
-          <p:cNvSpPr>
-            <a:spLocks noGrp="1"/>
-          </p:cNvSpPr>
-          <p:nvPr>
-            <p:ph type="title"/>
-          </p:nvPr>
-        </p:nvSpPr>
-        <p:spPr/>
-        <p:txBody>
-          <a:bodyPr/>
-          <a:lstStyle/>
-          <a:p>
-            <a:r>
-              <a:rPr lang="en-US" u="none" strike="noStrike" dirty="0">
-                <a:solidFill>
-                  <a:srgbClr val="003399"/>
-                </a:solidFill>
-                <a:effectLst/>
-              </a:rPr>
-              <a:t>JPA </a:t>
-            </a:r>
-            <a:r>
-              <a:rPr lang="en-US" u="none" strike="noStrike" dirty="0" err="1">
-                <a:solidFill>
-                  <a:srgbClr val="003399"/>
-                </a:solidFill>
-                <a:effectLst/>
-              </a:rPr>
-              <a:t>EntityManager</a:t>
-            </a:r>
-            <a:endParaRPr lang="en-US" dirty="0">
-              <a:solidFill>
-                <a:srgbClr val="003399"/>
-              </a:solidFill>
-            </a:endParaRPr>
-          </a:p>
-        </p:txBody>
-      </p:sp>
-      <p:pic>
-        <p:nvPicPr>
-          <p:cNvPr id="5" name="Объект 4" descr="Изображение выглядит как текст&#10;&#10;Автоматически созданное описание">
-            <a:extLst>
-              <a:ext uri="{FF2B5EF4-FFF2-40B4-BE49-F238E27FC236}">
-                <a16:creationId xmlns:a16="http://schemas.microsoft.com/office/drawing/2014/main" id="{730A4C40-7A03-9678-0770-A96B21574F73}"/>
-              </a:ext>
-            </a:extLst>
-          </p:cNvPr>
-          <p:cNvPicPr>
-            <a:picLocks noGrp="1" noChangeAspect="1"/>
-          </p:cNvPicPr>
-          <p:nvPr>
-            <p:ph idx="1"/>
-          </p:nvPr>
-        </p:nvPicPr>
-        <p:blipFill>
-          <a:blip r:embed="rId2">
-            <a:extLst>
-              <a:ext uri="{28A0092B-C50C-407E-A947-70E740481C1C}">
-                <a14:useLocalDpi xmlns:a14="http://schemas.microsoft.com/office/drawing/2010/main" val="0"/>
-              </a:ext>
-            </a:extLst>
-          </a:blip>
-          <a:stretch>
-            <a:fillRect/>
-          </a:stretch>
-        </p:blipFill>
-        <p:spPr>
-          <a:xfrm>
-            <a:off x="1013293" y="1825625"/>
-            <a:ext cx="10165413" cy="4351338"/>
-          </a:xfrm>
-        </p:spPr>
-      </p:pic>
-    </p:spTree>
-    <p:extLst>
-      <p:ext uri="{BB962C8B-B14F-4D97-AF65-F5344CB8AC3E}">
-        <p14:creationId xmlns:p14="http://schemas.microsoft.com/office/powerpoint/2010/main" val="2748905838"/>
-      </p:ext>
-    </p:extLst>
-  </p:cSld>
-  <p:clrMapOvr>
-    <a:masterClrMapping/>
-  </p:clrMapOvr>
-</p:sld>
-</file>
-
 <file path=ppt/slides/slide29.xml><?xml version="1.0" encoding="utf-8"?>
 <p:sld xmlns:a="http://schemas.openxmlformats.org/drawingml/2006/main" xmlns:r="http://schemas.openxmlformats.org/officeDocument/2006/relationships" xmlns:p="http://schemas.openxmlformats.org/presentationml/2006/main">
   <p:cSld>
@@ -8670,21 +8133,28 @@
           <a:lstStyle/>
           <a:p>
             <a:r>
-              <a:rPr lang="ru-RU" dirty="0" err="1">
-                <a:solidFill>
-                  <a:srgbClr val="003399"/>
-                </a:solidFill>
-              </a:rPr>
-              <a:t>J</a:t>
-            </a:r>
-            <a:r>
-              <a:rPr lang="en-US" dirty="0">
-                <a:solidFill>
-                  <a:srgbClr val="003399"/>
-                </a:solidFill>
-              </a:rPr>
-              <a:t>PA Entity life-cycle</a:t>
-            </a:r>
+              <a:rPr lang="en-US" u="none" strike="noStrike" dirty="0">
+                <a:solidFill>
+                  <a:srgbClr val="003399"/>
+                </a:solidFill>
+                <a:effectLst/>
+              </a:rPr>
+              <a:t>JPA </a:t>
+            </a:r>
+            <a:r>
+              <a:rPr lang="en-US" u="none" strike="noStrike" dirty="0" err="1">
+                <a:solidFill>
+                  <a:srgbClr val="003399"/>
+                </a:solidFill>
+                <a:effectLst/>
+              </a:rPr>
+              <a:t>EntityManager</a:t>
+            </a:r>
+            <a:endParaRPr lang="en-US" dirty="0">
+              <a:solidFill>
+                <a:srgbClr val="003399"/>
+              </a:solidFill>
+            </a:endParaRPr>
           </a:p>
         </p:txBody>
       </p:sp>
@@ -8711,9 +8181,27 @@
           </a:bodyPr>
           <a:lstStyle/>
           <a:p>
-            <a:pPr marL="0" indent="0">
-              <a:buNone/>
-            </a:pPr>
+            <a:pPr algn="l"/>
+            <a:r>
+              <a:rPr lang="en" sz="2600" b="0" i="0" u="none" strike="noStrike" dirty="0" err="1">
+                <a:solidFill>
+                  <a:srgbClr val="003399"/>
+                </a:solidFill>
+                <a:effectLst/>
+                <a:latin typeface="+mj-lt"/>
+              </a:rPr>
+              <a:t>EntityManager</a:t>
+            </a:r>
+            <a:r>
+              <a:rPr lang="en" sz="2600" b="0" i="0" u="none" strike="noStrike" dirty="0">
+                <a:solidFill>
+                  <a:srgbClr val="003399"/>
+                </a:solidFill>
+                <a:effectLst/>
+                <a:latin typeface="+mj-lt"/>
+              </a:rPr>
+              <a:t> </a:t>
+            </a:r>
             <a:r>
               <a:rPr lang="ru-RU" sz="2600" b="0" i="0" u="none" strike="noStrike" dirty="0">
                 <a:solidFill>
@@ -8722,7 +8210,7 @@
                 <a:effectLst/>
                 <a:latin typeface="+mj-lt"/>
               </a:rPr>
-              <a:t>У </a:t>
+              <a:t>это интерфейс, который описывает </a:t>
             </a:r>
             <a:r>
               <a:rPr lang="en" sz="2600" b="0" i="0" u="none" strike="noStrike" dirty="0">
@@ -8732,7 +8220,7 @@
                 <a:effectLst/>
                 <a:latin typeface="+mj-lt"/>
               </a:rPr>
-              <a:t>Entity </a:t>
+              <a:t>API </a:t>
             </a:r>
             <a:r>
               <a:rPr lang="ru-RU" sz="2600" b="0" i="0" u="none" strike="noStrike" dirty="0">
@@ -8742,7 +8230,17 @@
                 <a:effectLst/>
                 <a:latin typeface="+mj-lt"/>
               </a:rPr>
-              <a:t>объекта существует четыре статуса жизненного цикла: </a:t>
+              <a:t>для всех основных операций над </a:t>
+            </a:r>
+            <a:r>
+              <a:rPr lang="en" sz="2600" b="0" i="0" u="none" strike="noStrike" dirty="0" err="1">
+                <a:solidFill>
+                  <a:srgbClr val="003399"/>
+                </a:solidFill>
+                <a:effectLst/>
+                <a:latin typeface="+mj-lt"/>
+              </a:rPr>
+              <a:t>Enitity</a:t>
             </a:r>
             <a:r>
               <a:rPr lang="en" sz="2600" b="0" i="0" u="none" strike="noStrike" dirty="0">
@@ -8752,7 +8250,7 @@
                 <a:effectLst/>
                 <a:latin typeface="+mj-lt"/>
               </a:rPr>
-              <a:t>new, managed, detached, </a:t>
+              <a:t>, </a:t>
             </a:r>
             <a:r>
               <a:rPr lang="ru-RU" sz="2600" b="0" i="0" u="none" strike="noStrike" dirty="0">
@@ -8762,7 +8260,7 @@
                 <a:effectLst/>
                 <a:latin typeface="+mj-lt"/>
               </a:rPr>
-              <a:t>или </a:t>
+              <a:t>получение данных и других сущностей </a:t>
             </a:r>
             <a:r>
               <a:rPr lang="en" sz="2600" b="0" i="0" u="none" strike="noStrike" dirty="0">
@@ -8772,7 +8270,7 @@
                 <a:effectLst/>
                 <a:latin typeface="+mj-lt"/>
               </a:rPr>
-              <a:t>removed. </a:t>
+              <a:t>JPA. </a:t>
             </a:r>
             <a:r>
               <a:rPr lang="ru-RU" sz="2600" b="0" i="0" u="none" strike="noStrike" dirty="0">
@@ -8782,17 +8280,47 @@
                 <a:effectLst/>
                 <a:latin typeface="+mj-lt"/>
               </a:rPr>
-              <a:t>Их описание</a:t>
-            </a:r>
-            <a:r>
-              <a:rPr lang="en-US" sz="2600" b="0" i="0" u="none" strike="noStrike" dirty="0">
-                <a:solidFill>
-                  <a:srgbClr val="003399"/>
-                </a:solidFill>
-                <a:effectLst/>
-                <a:latin typeface="+mj-lt"/>
-              </a:rPr>
-              <a:t>:</a:t>
+              <a:t>По сути главный </a:t>
+            </a:r>
+            <a:r>
+              <a:rPr lang="en" sz="2600" b="0" i="0" u="none" strike="noStrike" dirty="0">
+                <a:solidFill>
+                  <a:srgbClr val="003399"/>
+                </a:solidFill>
+                <a:effectLst/>
+                <a:latin typeface="+mj-lt"/>
+              </a:rPr>
+              <a:t>API </a:t>
+            </a:r>
+            <a:r>
+              <a:rPr lang="ru-RU" sz="2600" b="0" i="0" u="none" strike="noStrike" dirty="0">
+                <a:solidFill>
+                  <a:srgbClr val="003399"/>
+                </a:solidFill>
+                <a:effectLst/>
+                <a:latin typeface="+mj-lt"/>
+              </a:rPr>
+              <a:t>для работы с </a:t>
+            </a:r>
+            <a:r>
+              <a:rPr lang="en" sz="2600" b="0" i="0" u="none" strike="noStrike" dirty="0">
+                <a:solidFill>
+                  <a:srgbClr val="003399"/>
+                </a:solidFill>
+                <a:effectLst/>
+                <a:latin typeface="+mj-lt"/>
+              </a:rPr>
+              <a:t>JPA. </a:t>
+            </a:r>
+            <a:r>
+              <a:rPr lang="ru-RU" sz="2600" b="0" i="0" u="none" strike="noStrike" dirty="0">
+                <a:solidFill>
+                  <a:srgbClr val="003399"/>
+                </a:solidFill>
+                <a:effectLst/>
+                <a:latin typeface="+mj-lt"/>
+              </a:rPr>
+              <a:t>Основные операции:</a:t>
             </a:r>
             <a:br>
               <a:rPr lang="ru-RU" sz="2600" b="0" i="0" u="none" strike="noStrike" dirty="0">
@@ -8811,15 +8339,7 @@
                 <a:effectLst/>
                 <a:latin typeface="+mj-lt"/>
               </a:rPr>
-              <a:t>1) </a:t>
-            </a:r>
-            <a:r>
-              <a:rPr lang="en-US" sz="2600" dirty="0">
-                <a:solidFill>
-                  <a:srgbClr val="003399"/>
-                </a:solidFill>
-              </a:rPr>
-              <a:t>transient</a:t>
+              <a:t>1) Для операций над </a:t>
             </a:r>
             <a:r>
               <a:rPr lang="en" sz="2600" b="0" i="0" u="none" strike="noStrike" dirty="0">
@@ -8829,7 +8349,7 @@
                 <a:effectLst/>
                 <a:latin typeface="+mj-lt"/>
               </a:rPr>
-              <a:t> — </a:t>
+              <a:t>Entity: persist, merge</a:t>
             </a:r>
             <a:r>
               <a:rPr lang="ru-RU" sz="2600" b="0" i="0" u="none" strike="noStrike" dirty="0">
@@ -8839,9 +8359,19 @@
                 <a:effectLst/>
                 <a:latin typeface="+mj-lt"/>
               </a:rPr>
-              <a:t>объект создан, но при этом ещё не имеет сгенерированных первичных ключей и пока ещё не сохранен в базе данных,</a:t>
-            </a:r>
-            <a:br>
+              <a:t>, </a:t>
+            </a:r>
+            <a:r>
+              <a:rPr lang="en" sz="2600" b="0" i="0" u="none" strike="noStrike" dirty="0">
+                <a:solidFill>
+                  <a:srgbClr val="003399"/>
+                </a:solidFill>
+                <a:effectLst/>
+                <a:latin typeface="+mj-lt"/>
+              </a:rPr>
+              <a:t>remove, refresh</a:t>
+            </a:r>
+            <a:r>
               <a:rPr lang="ru-RU" sz="2600" b="0" i="0" u="none" strike="noStrike" dirty="0">
                 <a:solidFill>
                   <a:srgbClr val="003399"/>
@@ -8849,16 +8379,7 @@
                 <a:effectLst/>
                 <a:latin typeface="+mj-lt"/>
               </a:rPr>
-            </a:br>
-            <a:r>
-              <a:rPr lang="ru-RU" sz="2600" b="0" i="0" u="none" strike="noStrike" dirty="0">
-                <a:solidFill>
-                  <a:srgbClr val="003399"/>
-                </a:solidFill>
-                <a:effectLst/>
-                <a:latin typeface="+mj-lt"/>
-              </a:rPr>
-              <a:t>2) </a:t>
+              <a:t>, </a:t>
             </a:r>
             <a:r>
               <a:rPr lang="en" sz="2600" b="0" i="0" u="none" strike="noStrike" dirty="0">
@@ -8868,86 +8389,7 @@
                 <a:effectLst/>
                 <a:latin typeface="+mj-lt"/>
               </a:rPr>
-              <a:t>managed — </a:t>
-            </a:r>
-            <a:r>
-              <a:rPr lang="ru-RU" sz="2600" b="0" i="0" u="none" strike="noStrike" dirty="0">
-                <a:solidFill>
-                  <a:srgbClr val="003399"/>
-                </a:solidFill>
-                <a:effectLst/>
-                <a:latin typeface="+mj-lt"/>
-              </a:rPr>
-              <a:t>объект создан, управляется </a:t>
-            </a:r>
-            <a:r>
-              <a:rPr lang="en" sz="2600" b="0" i="0" u="none" strike="noStrike" dirty="0">
-                <a:solidFill>
-                  <a:srgbClr val="003399"/>
-                </a:solidFill>
-                <a:effectLst/>
-                <a:latin typeface="+mj-lt"/>
-              </a:rPr>
-              <a:t>JPA, </a:t>
-            </a:r>
-            <a:r>
-              <a:rPr lang="ru-RU" sz="2600" b="0" i="0" u="none" strike="noStrike" dirty="0">
-                <a:solidFill>
-                  <a:srgbClr val="003399"/>
-                </a:solidFill>
-                <a:effectLst/>
-                <a:latin typeface="+mj-lt"/>
-              </a:rPr>
-              <a:t>имеет сгенерированные первичные ключи,</a:t>
-            </a:r>
-            <a:br>
-              <a:rPr lang="ru-RU" sz="2600" b="0" i="0" u="none" strike="noStrike" dirty="0">
-                <a:solidFill>
-                  <a:srgbClr val="003399"/>
-                </a:solidFill>
-                <a:effectLst/>
-                <a:latin typeface="+mj-lt"/>
-              </a:rPr>
-            </a:br>
-            <a:r>
-              <a:rPr lang="ru-RU" sz="2600" b="0" i="0" u="none" strike="noStrike" dirty="0">
-                <a:solidFill>
-                  <a:srgbClr val="003399"/>
-                </a:solidFill>
-                <a:effectLst/>
-                <a:latin typeface="+mj-lt"/>
-              </a:rPr>
-              <a:t>3) </a:t>
-            </a:r>
-            <a:r>
-              <a:rPr lang="en" sz="2600" b="0" i="0" u="none" strike="noStrike" dirty="0">
-                <a:solidFill>
-                  <a:srgbClr val="003399"/>
-                </a:solidFill>
-                <a:effectLst/>
-                <a:latin typeface="+mj-lt"/>
-              </a:rPr>
-              <a:t>detached — </a:t>
-            </a:r>
-            <a:r>
-              <a:rPr lang="ru-RU" sz="2600" b="0" i="0" u="none" strike="noStrike" dirty="0">
-                <a:solidFill>
-                  <a:srgbClr val="003399"/>
-                </a:solidFill>
-                <a:effectLst/>
-                <a:latin typeface="+mj-lt"/>
-              </a:rPr>
-              <a:t>объект был создан, но не управляется (или больше не управляется) </a:t>
-            </a:r>
-            <a:r>
-              <a:rPr lang="en" sz="2600" b="0" i="0" u="none" strike="noStrike" dirty="0">
-                <a:solidFill>
-                  <a:srgbClr val="003399"/>
-                </a:solidFill>
-                <a:effectLst/>
-                <a:latin typeface="+mj-lt"/>
-              </a:rPr>
-              <a:t>JPA,</a:t>
+              <a:t>detach, lock</a:t>
             </a:r>
             <a:br>
               <a:rPr lang="en" sz="2600" b="0" i="0" u="none" strike="noStrike" dirty="0">
@@ -8966,7 +8408,7 @@
                 <a:effectLst/>
                 <a:latin typeface="+mj-lt"/>
               </a:rPr>
-              <a:t>4) removed — </a:t>
+              <a:t>2) </a:t>
             </a:r>
             <a:r>
               <a:rPr lang="ru-RU" sz="2600" b="0" i="0" u="none" strike="noStrike" dirty="0">
@@ -8976,7 +8418,7 @@
                 <a:effectLst/>
                 <a:latin typeface="+mj-lt"/>
               </a:rPr>
-              <a:t>объект создан, управляется </a:t>
+              <a:t>Получение данных: </a:t>
             </a:r>
             <a:r>
               <a:rPr lang="en" sz="2600" b="0" i="0" u="none" strike="noStrike" dirty="0">
@@ -8986,7 +8428,116 @@
                 <a:effectLst/>
                 <a:latin typeface="+mj-lt"/>
               </a:rPr>
-              <a:t>JPA, </a:t>
+              <a:t>find, </a:t>
+            </a:r>
+            <a:r>
+              <a:rPr lang="en" sz="2600" b="0" i="0" u="none" strike="noStrike" dirty="0" err="1">
+                <a:solidFill>
+                  <a:srgbClr val="003399"/>
+                </a:solidFill>
+                <a:effectLst/>
+                <a:latin typeface="+mj-lt"/>
+              </a:rPr>
+              <a:t>createQuery</a:t>
+            </a:r>
+            <a:r>
+              <a:rPr lang="en" sz="2600" b="0" i="0" u="none" strike="noStrike" dirty="0">
+                <a:solidFill>
+                  <a:srgbClr val="003399"/>
+                </a:solidFill>
+                <a:effectLst/>
+                <a:latin typeface="+mj-lt"/>
+              </a:rPr>
+              <a:t>, </a:t>
+            </a:r>
+            <a:r>
+              <a:rPr lang="en" sz="2600" b="0" i="0" u="none" strike="noStrike" dirty="0" err="1">
+                <a:solidFill>
+                  <a:srgbClr val="003399"/>
+                </a:solidFill>
+                <a:effectLst/>
+                <a:latin typeface="+mj-lt"/>
+              </a:rPr>
+              <a:t>createNamedQuery</a:t>
+            </a:r>
+            <a:r>
+              <a:rPr lang="en" sz="2600" b="0" i="0" u="none" strike="noStrike" dirty="0">
+                <a:solidFill>
+                  <a:srgbClr val="003399"/>
+                </a:solidFill>
+                <a:effectLst/>
+                <a:latin typeface="+mj-lt"/>
+              </a:rPr>
+              <a:t>, </a:t>
+            </a:r>
+            <a:r>
+              <a:rPr lang="en" sz="2600" b="0" i="0" u="none" strike="noStrike" dirty="0" err="1">
+                <a:solidFill>
+                  <a:srgbClr val="003399"/>
+                </a:solidFill>
+                <a:effectLst/>
+                <a:latin typeface="+mj-lt"/>
+              </a:rPr>
+              <a:t>createNativeQuery</a:t>
+            </a:r>
+            <a:r>
+              <a:rPr lang="en" sz="2600" b="0" i="0" u="none" strike="noStrike" dirty="0">
+                <a:solidFill>
+                  <a:srgbClr val="003399"/>
+                </a:solidFill>
+                <a:effectLst/>
+                <a:latin typeface="+mj-lt"/>
+              </a:rPr>
+              <a:t>, contains, </a:t>
+            </a:r>
+            <a:r>
+              <a:rPr lang="en" sz="2600" b="0" i="0" u="none" strike="noStrike" dirty="0" err="1">
+                <a:solidFill>
+                  <a:srgbClr val="003399"/>
+                </a:solidFill>
+                <a:effectLst/>
+                <a:latin typeface="+mj-lt"/>
+              </a:rPr>
+              <a:t>createNamedStoredProcedureQuery</a:t>
+            </a:r>
+            <a:r>
+              <a:rPr lang="en" sz="2600" b="0" i="0" u="none" strike="noStrike" dirty="0">
+                <a:solidFill>
+                  <a:srgbClr val="003399"/>
+                </a:solidFill>
+                <a:effectLst/>
+                <a:latin typeface="+mj-lt"/>
+              </a:rPr>
+              <a:t>, </a:t>
+            </a:r>
+            <a:r>
+              <a:rPr lang="en" sz="2600" b="0" i="0" u="none" strike="noStrike" dirty="0" err="1">
+                <a:solidFill>
+                  <a:srgbClr val="003399"/>
+                </a:solidFill>
+                <a:effectLst/>
+                <a:latin typeface="+mj-lt"/>
+              </a:rPr>
+              <a:t>createStoredProcedureQuery</a:t>
+            </a:r>
+            <a:br>
+              <a:rPr lang="en" sz="2600" b="0" i="0" u="none" strike="noStrike" dirty="0">
+                <a:solidFill>
+                  <a:srgbClr val="003399"/>
+                </a:solidFill>
+                <a:effectLst/>
+                <a:latin typeface="+mj-lt"/>
+              </a:rPr>
+            </a:br>
+            <a:r>
+              <a:rPr lang="en" sz="2600" b="0" i="0" u="none" strike="noStrike" dirty="0">
+                <a:solidFill>
+                  <a:srgbClr val="003399"/>
+                </a:solidFill>
+                <a:effectLst/>
+                <a:latin typeface="+mj-lt"/>
+              </a:rPr>
+              <a:t>3) </a:t>
             </a:r>
             <a:r>
               <a:rPr lang="ru-RU" sz="2600" b="0" i="0" u="none" strike="noStrike" dirty="0">
@@ -8996,7 +8547,17 @@
                 <a:effectLst/>
                 <a:latin typeface="+mj-lt"/>
               </a:rPr>
-              <a:t>но будет удален после </a:t>
+              <a:t>Получение других сущностей </a:t>
+            </a:r>
+            <a:r>
+              <a:rPr lang="en" sz="2600" b="0" i="0" u="none" strike="noStrike" dirty="0">
+                <a:solidFill>
+                  <a:srgbClr val="003399"/>
+                </a:solidFill>
+                <a:effectLst/>
+                <a:latin typeface="+mj-lt"/>
+              </a:rPr>
+              <a:t>JPA: </a:t>
             </a:r>
             <a:r>
               <a:rPr lang="en" sz="2600" b="0" i="0" u="none" strike="noStrike" dirty="0" err="1">
@@ -9006,7 +8567,7 @@
                 <a:effectLst/>
                 <a:latin typeface="+mj-lt"/>
               </a:rPr>
-              <a:t>commit'a</a:t>
+              <a:t>getTransaction</a:t>
             </a:r>
             <a:r>
               <a:rPr lang="en" sz="2600" b="0" i="0" u="none" strike="noStrike" dirty="0">
@@ -9016,6 +8577,204 @@
                 <a:effectLst/>
                 <a:latin typeface="+mj-lt"/>
               </a:rPr>
+              <a:t>, </a:t>
+            </a:r>
+            <a:r>
+              <a:rPr lang="en" sz="2600" b="0" i="0" u="none" strike="noStrike" dirty="0" err="1">
+                <a:solidFill>
+                  <a:srgbClr val="003399"/>
+                </a:solidFill>
+                <a:effectLst/>
+                <a:latin typeface="+mj-lt"/>
+              </a:rPr>
+              <a:t>getEntityManagerFactory</a:t>
+            </a:r>
+            <a:r>
+              <a:rPr lang="en" sz="2600" b="0" i="0" u="none" strike="noStrike" dirty="0">
+                <a:solidFill>
+                  <a:srgbClr val="003399"/>
+                </a:solidFill>
+                <a:effectLst/>
+                <a:latin typeface="+mj-lt"/>
+              </a:rPr>
+              <a:t>, </a:t>
+            </a:r>
+            <a:r>
+              <a:rPr lang="en" sz="2600" b="0" i="0" u="none" strike="noStrike" dirty="0" err="1">
+                <a:solidFill>
+                  <a:srgbClr val="003399"/>
+                </a:solidFill>
+                <a:effectLst/>
+                <a:latin typeface="+mj-lt"/>
+              </a:rPr>
+              <a:t>getCriteriaBuilder</a:t>
+            </a:r>
+            <a:r>
+              <a:rPr lang="en" sz="2600" b="0" i="0" u="none" strike="noStrike" dirty="0">
+                <a:solidFill>
+                  <a:srgbClr val="003399"/>
+                </a:solidFill>
+                <a:effectLst/>
+                <a:latin typeface="+mj-lt"/>
+              </a:rPr>
+              <a:t>, </a:t>
+            </a:r>
+            <a:r>
+              <a:rPr lang="en" sz="2600" b="0" i="0" u="none" strike="noStrike" dirty="0" err="1">
+                <a:solidFill>
+                  <a:srgbClr val="003399"/>
+                </a:solidFill>
+                <a:effectLst/>
+                <a:latin typeface="+mj-lt"/>
+              </a:rPr>
+              <a:t>getMetamodel</a:t>
+            </a:r>
+            <a:r>
+              <a:rPr lang="en" sz="2600" b="0" i="0" u="none" strike="noStrike" dirty="0">
+                <a:solidFill>
+                  <a:srgbClr val="003399"/>
+                </a:solidFill>
+                <a:effectLst/>
+                <a:latin typeface="+mj-lt"/>
+              </a:rPr>
+              <a:t>, </a:t>
+            </a:r>
+            <a:r>
+              <a:rPr lang="en" sz="2600" b="0" i="0" u="none" strike="noStrike" dirty="0" err="1">
+                <a:solidFill>
+                  <a:srgbClr val="003399"/>
+                </a:solidFill>
+                <a:effectLst/>
+                <a:latin typeface="+mj-lt"/>
+              </a:rPr>
+              <a:t>getDelegate</a:t>
+            </a:r>
+            <a:br>
+              <a:rPr lang="en" sz="2600" b="0" i="0" u="none" strike="noStrike" dirty="0">
+                <a:solidFill>
+                  <a:srgbClr val="003399"/>
+                </a:solidFill>
+                <a:effectLst/>
+                <a:latin typeface="+mj-lt"/>
+              </a:rPr>
+            </a:br>
+            <a:r>
+              <a:rPr lang="en" sz="2600" b="0" i="0" u="none" strike="noStrike" dirty="0">
+                <a:solidFill>
+                  <a:srgbClr val="003399"/>
+                </a:solidFill>
+                <a:effectLst/>
+                <a:latin typeface="+mj-lt"/>
+              </a:rPr>
+              <a:t>4) </a:t>
+            </a:r>
+            <a:r>
+              <a:rPr lang="ru-RU" sz="2600" b="0" i="0" u="none" strike="noStrike" dirty="0">
+                <a:solidFill>
+                  <a:srgbClr val="003399"/>
+                </a:solidFill>
+                <a:effectLst/>
+                <a:latin typeface="+mj-lt"/>
+              </a:rPr>
+              <a:t>Работа с </a:t>
+            </a:r>
+            <a:r>
+              <a:rPr lang="en" sz="2600" b="0" i="0" u="none" strike="noStrike" dirty="0" err="1">
+                <a:solidFill>
+                  <a:srgbClr val="003399"/>
+                </a:solidFill>
+                <a:effectLst/>
+                <a:latin typeface="+mj-lt"/>
+              </a:rPr>
+              <a:t>EntityGraph</a:t>
+            </a:r>
+            <a:r>
+              <a:rPr lang="en" sz="2600" b="0" i="0" u="none" strike="noStrike" dirty="0">
+                <a:solidFill>
+                  <a:srgbClr val="003399"/>
+                </a:solidFill>
+                <a:effectLst/>
+                <a:latin typeface="+mj-lt"/>
+              </a:rPr>
+              <a:t>: </a:t>
+            </a:r>
+            <a:r>
+              <a:rPr lang="en" sz="2600" b="0" i="0" u="none" strike="noStrike" dirty="0" err="1">
+                <a:solidFill>
+                  <a:srgbClr val="003399"/>
+                </a:solidFill>
+                <a:effectLst/>
+                <a:latin typeface="+mj-lt"/>
+              </a:rPr>
+              <a:t>createEntityGraph</a:t>
+            </a:r>
+            <a:r>
+              <a:rPr lang="en" sz="2600" b="0" i="0" u="none" strike="noStrike" dirty="0">
+                <a:solidFill>
+                  <a:srgbClr val="003399"/>
+                </a:solidFill>
+                <a:effectLst/>
+                <a:latin typeface="+mj-lt"/>
+              </a:rPr>
+              <a:t>, </a:t>
+            </a:r>
+            <a:r>
+              <a:rPr lang="en" sz="2600" b="0" i="0" u="none" strike="noStrike" dirty="0" err="1">
+                <a:solidFill>
+                  <a:srgbClr val="003399"/>
+                </a:solidFill>
+                <a:effectLst/>
+                <a:latin typeface="+mj-lt"/>
+              </a:rPr>
+              <a:t>getEntityGraph</a:t>
+            </a:r>
+            <a:br>
+              <a:rPr lang="en" sz="2600" b="0" i="0" u="none" strike="noStrike" dirty="0">
+                <a:solidFill>
+                  <a:srgbClr val="003399"/>
+                </a:solidFill>
+                <a:effectLst/>
+                <a:latin typeface="+mj-lt"/>
+              </a:rPr>
+            </a:br>
+            <a:r>
+              <a:rPr lang="en" sz="2600" b="0" i="0" u="none" strike="noStrike" dirty="0">
+                <a:solidFill>
+                  <a:srgbClr val="003399"/>
+                </a:solidFill>
+                <a:effectLst/>
+                <a:latin typeface="+mj-lt"/>
+              </a:rPr>
+              <a:t>4) </a:t>
+            </a:r>
+            <a:r>
+              <a:rPr lang="ru-RU" sz="2600" b="0" i="0" u="none" strike="noStrike" dirty="0">
+                <a:solidFill>
+                  <a:srgbClr val="003399"/>
+                </a:solidFill>
+                <a:effectLst/>
+                <a:latin typeface="+mj-lt"/>
+              </a:rPr>
+              <a:t>Общие операции над </a:t>
+            </a:r>
+            <a:r>
+              <a:rPr lang="en" sz="2600" b="0" i="0" u="none" strike="noStrike" dirty="0" err="1">
+                <a:solidFill>
+                  <a:srgbClr val="003399"/>
+                </a:solidFill>
+                <a:effectLst/>
+                <a:latin typeface="+mj-lt"/>
+              </a:rPr>
+              <a:t>EntityManager</a:t>
+            </a:r>
+            <a:r>
+              <a:rPr lang="en" sz="2600" b="0" i="0" u="none" strike="noStrike" dirty="0">
+                <a:solidFill>
+                  <a:srgbClr val="003399"/>
+                </a:solidFill>
+                <a:effectLst/>
+                <a:latin typeface="+mj-lt"/>
+              </a:rPr>
               <a:t> </a:t>
             </a:r>
             <a:r>
@@ -9026,22 +8785,85 @@
                 <a:effectLst/>
                 <a:latin typeface="+mj-lt"/>
               </a:rPr>
-              <a:t>транзакции.</a:t>
-            </a:r>
-            <a:endParaRPr lang="en" sz="2600" b="0" i="0" u="none" strike="noStrike" dirty="0">
-              <a:solidFill>
-                <a:srgbClr val="003399"/>
-              </a:solidFill>
-              <a:effectLst/>
-              <a:latin typeface="+mj-lt"/>
-            </a:endParaRPr>
+              <a:t>или всеми </a:t>
+            </a:r>
+            <a:r>
+              <a:rPr lang="en" sz="2600" b="0" i="0" u="none" strike="noStrike" dirty="0">
+                <a:solidFill>
+                  <a:srgbClr val="003399"/>
+                </a:solidFill>
+                <a:effectLst/>
+                <a:latin typeface="+mj-lt"/>
+              </a:rPr>
+              <a:t>Entities: close, </a:t>
+            </a:r>
+            <a:r>
+              <a:rPr lang="en" sz="2600" b="0" i="0" u="none" strike="noStrike" dirty="0" err="1">
+                <a:solidFill>
+                  <a:srgbClr val="003399"/>
+                </a:solidFill>
+                <a:effectLst/>
+                <a:latin typeface="+mj-lt"/>
+              </a:rPr>
+              <a:t>isOpen</a:t>
+            </a:r>
+            <a:r>
+              <a:rPr lang="en" sz="2600" b="0" i="0" u="none" strike="noStrike" dirty="0">
+                <a:solidFill>
+                  <a:srgbClr val="003399"/>
+                </a:solidFill>
+                <a:effectLst/>
+                <a:latin typeface="+mj-lt"/>
+              </a:rPr>
+              <a:t>, </a:t>
+            </a:r>
+            <a:r>
+              <a:rPr lang="en" sz="2600" b="0" i="0" u="none" strike="noStrike" dirty="0" err="1">
+                <a:solidFill>
+                  <a:srgbClr val="003399"/>
+                </a:solidFill>
+                <a:effectLst/>
+                <a:latin typeface="+mj-lt"/>
+              </a:rPr>
+              <a:t>getProperties</a:t>
+            </a:r>
+            <a:r>
+              <a:rPr lang="en" sz="2600" b="0" i="0" u="none" strike="noStrike" dirty="0">
+                <a:solidFill>
+                  <a:srgbClr val="003399"/>
+                </a:solidFill>
+                <a:effectLst/>
+                <a:latin typeface="+mj-lt"/>
+              </a:rPr>
+              <a:t>, </a:t>
+            </a:r>
+            <a:r>
+              <a:rPr lang="en" sz="2600" b="0" i="0" u="none" strike="noStrike" dirty="0" err="1">
+                <a:solidFill>
+                  <a:srgbClr val="003399"/>
+                </a:solidFill>
+                <a:effectLst/>
+                <a:latin typeface="+mj-lt"/>
+              </a:rPr>
+              <a:t>setProperty</a:t>
+            </a:r>
+            <a:r>
+              <a:rPr lang="en" sz="2600" b="0" i="0" u="none" strike="noStrike" dirty="0">
+                <a:solidFill>
+                  <a:srgbClr val="003399"/>
+                </a:solidFill>
+                <a:effectLst/>
+                <a:latin typeface="+mj-lt"/>
+              </a:rPr>
+              <a:t>, clear</a:t>
+            </a:r>
           </a:p>
         </p:txBody>
       </p:sp>
     </p:spTree>
     <p:extLst>
       <p:ext uri="{BB962C8B-B14F-4D97-AF65-F5344CB8AC3E}">
-        <p14:creationId xmlns:p14="http://schemas.microsoft.com/office/powerpoint/2010/main" val="3598551846"/>
+        <p14:creationId xmlns:p14="http://schemas.microsoft.com/office/powerpoint/2010/main" val="2872943952"/>
       </p:ext>
     </p:extLst>
   </p:cSld>
@@ -9187,6 +9009,535 @@
     <p:extLst>
       <p:ext uri="{BB962C8B-B14F-4D97-AF65-F5344CB8AC3E}">
         <p14:creationId xmlns:p14="http://schemas.microsoft.com/office/powerpoint/2010/main" val="153793864"/>
+      </p:ext>
+    </p:extLst>
+  </p:cSld>
+  <p:clrMapOvr>
+    <a:masterClrMapping/>
+  </p:clrMapOvr>
+</p:sld>
+</file>
+
+<file path=ppt/slides/slide30.xml><?xml version="1.0" encoding="utf-8"?>
+<p:sld xmlns:a="http://schemas.openxmlformats.org/drawingml/2006/main" xmlns:r="http://schemas.openxmlformats.org/officeDocument/2006/relationships" xmlns:p="http://schemas.openxmlformats.org/presentationml/2006/main">
+  <p:cSld>
+    <p:spTree>
+      <p:nvGrpSpPr>
+        <p:cNvPr id="1" name=""/>
+        <p:cNvGrpSpPr/>
+        <p:nvPr/>
+      </p:nvGrpSpPr>
+      <p:grpSpPr>
+        <a:xfrm>
+          <a:off x="0" y="0"/>
+          <a:ext cx="0" cy="0"/>
+          <a:chOff x="0" y="0"/>
+          <a:chExt cx="0" cy="0"/>
+        </a:xfrm>
+      </p:grpSpPr>
+      <p:sp>
+        <p:nvSpPr>
+          <p:cNvPr id="2" name="Title 1">
+            <a:extLst>
+              <a:ext uri="{FF2B5EF4-FFF2-40B4-BE49-F238E27FC236}">
+                <a16:creationId xmlns:a16="http://schemas.microsoft.com/office/drawing/2014/main" id="{47C2523B-489C-4F40-95C6-4B0B98AEA306}"/>
+              </a:ext>
+            </a:extLst>
+          </p:cNvPr>
+          <p:cNvSpPr>
+            <a:spLocks noGrp="1"/>
+          </p:cNvSpPr>
+          <p:nvPr>
+            <p:ph type="title"/>
+          </p:nvPr>
+        </p:nvSpPr>
+        <p:spPr/>
+        <p:txBody>
+          <a:bodyPr/>
+          <a:lstStyle/>
+          <a:p>
+            <a:r>
+              <a:rPr lang="en-US" u="none" strike="noStrike" dirty="0">
+                <a:solidFill>
+                  <a:srgbClr val="003399"/>
+                </a:solidFill>
+                <a:effectLst/>
+              </a:rPr>
+              <a:t>JPA </a:t>
+            </a:r>
+            <a:r>
+              <a:rPr lang="en-US" u="none" strike="noStrike" dirty="0" err="1">
+                <a:solidFill>
+                  <a:srgbClr val="003399"/>
+                </a:solidFill>
+                <a:effectLst/>
+              </a:rPr>
+              <a:t>EntityManager</a:t>
+            </a:r>
+            <a:endParaRPr lang="en-US" dirty="0">
+              <a:solidFill>
+                <a:srgbClr val="003399"/>
+              </a:solidFill>
+            </a:endParaRPr>
+          </a:p>
+        </p:txBody>
+      </p:sp>
+      <p:pic>
+        <p:nvPicPr>
+          <p:cNvPr id="5" name="Объект 4" descr="Изображение выглядит как текст&#10;&#10;Автоматически созданное описание">
+            <a:extLst>
+              <a:ext uri="{FF2B5EF4-FFF2-40B4-BE49-F238E27FC236}">
+                <a16:creationId xmlns:a16="http://schemas.microsoft.com/office/drawing/2014/main" id="{730A4C40-7A03-9678-0770-A96B21574F73}"/>
+              </a:ext>
+            </a:extLst>
+          </p:cNvPr>
+          <p:cNvPicPr>
+            <a:picLocks noGrp="1" noChangeAspect="1"/>
+          </p:cNvPicPr>
+          <p:nvPr>
+            <p:ph idx="1"/>
+          </p:nvPr>
+        </p:nvPicPr>
+        <p:blipFill>
+          <a:blip r:embed="rId2">
+            <a:extLst>
+              <a:ext uri="{28A0092B-C50C-407E-A947-70E740481C1C}">
+                <a14:useLocalDpi xmlns:a14="http://schemas.microsoft.com/office/drawing/2010/main" val="0"/>
+              </a:ext>
+            </a:extLst>
+          </a:blip>
+          <a:stretch>
+            <a:fillRect/>
+          </a:stretch>
+        </p:blipFill>
+        <p:spPr>
+          <a:xfrm>
+            <a:off x="1013293" y="1825625"/>
+            <a:ext cx="10165413" cy="4351338"/>
+          </a:xfrm>
+        </p:spPr>
+      </p:pic>
+    </p:spTree>
+    <p:extLst>
+      <p:ext uri="{BB962C8B-B14F-4D97-AF65-F5344CB8AC3E}">
+        <p14:creationId xmlns:p14="http://schemas.microsoft.com/office/powerpoint/2010/main" val="2748905838"/>
+      </p:ext>
+    </p:extLst>
+  </p:cSld>
+  <p:clrMapOvr>
+    <a:masterClrMapping/>
+  </p:clrMapOvr>
+</p:sld>
+</file>
+
+<file path=ppt/slides/slide31.xml><?xml version="1.0" encoding="utf-8"?>
+<p:sld xmlns:a="http://schemas.openxmlformats.org/drawingml/2006/main" xmlns:r="http://schemas.openxmlformats.org/officeDocument/2006/relationships" xmlns:p="http://schemas.openxmlformats.org/presentationml/2006/main">
+  <p:cSld>
+    <p:spTree>
+      <p:nvGrpSpPr>
+        <p:cNvPr id="1" name=""/>
+        <p:cNvGrpSpPr/>
+        <p:nvPr/>
+      </p:nvGrpSpPr>
+      <p:grpSpPr>
+        <a:xfrm>
+          <a:off x="0" y="0"/>
+          <a:ext cx="0" cy="0"/>
+          <a:chOff x="0" y="0"/>
+          <a:chExt cx="0" cy="0"/>
+        </a:xfrm>
+      </p:grpSpPr>
+      <p:sp>
+        <p:nvSpPr>
+          <p:cNvPr id="2" name="Title 1">
+            <a:extLst>
+              <a:ext uri="{FF2B5EF4-FFF2-40B4-BE49-F238E27FC236}">
+                <a16:creationId xmlns:a16="http://schemas.microsoft.com/office/drawing/2014/main" id="{47C2523B-489C-4F40-95C6-4B0B98AEA306}"/>
+              </a:ext>
+            </a:extLst>
+          </p:cNvPr>
+          <p:cNvSpPr>
+            <a:spLocks noGrp="1"/>
+          </p:cNvSpPr>
+          <p:nvPr>
+            <p:ph type="title"/>
+          </p:nvPr>
+        </p:nvSpPr>
+        <p:spPr/>
+        <p:txBody>
+          <a:bodyPr/>
+          <a:lstStyle/>
+          <a:p>
+            <a:r>
+              <a:rPr lang="ru-RU" dirty="0" err="1">
+                <a:solidFill>
+                  <a:srgbClr val="003399"/>
+                </a:solidFill>
+              </a:rPr>
+              <a:t>J</a:t>
+            </a:r>
+            <a:r>
+              <a:rPr lang="en-US" dirty="0">
+                <a:solidFill>
+                  <a:srgbClr val="003399"/>
+                </a:solidFill>
+              </a:rPr>
+              <a:t>PA Entity life-cycle</a:t>
+            </a:r>
+          </a:p>
+        </p:txBody>
+      </p:sp>
+      <p:sp>
+        <p:nvSpPr>
+          <p:cNvPr id="3" name="Content Placeholder 2">
+            <a:extLst>
+              <a:ext uri="{FF2B5EF4-FFF2-40B4-BE49-F238E27FC236}">
+                <a16:creationId xmlns:a16="http://schemas.microsoft.com/office/drawing/2014/main" id="{5209A7C4-3D8F-48DB-BD94-B835E20D90BF}"/>
+              </a:ext>
+            </a:extLst>
+          </p:cNvPr>
+          <p:cNvSpPr>
+            <a:spLocks noGrp="1"/>
+          </p:cNvSpPr>
+          <p:nvPr>
+            <p:ph idx="1"/>
+          </p:nvPr>
+        </p:nvSpPr>
+        <p:spPr/>
+        <p:txBody>
+          <a:bodyPr>
+            <a:noAutofit/>
+          </a:bodyPr>
+          <a:lstStyle/>
+          <a:p>
+            <a:pPr marL="0" indent="0">
+              <a:buNone/>
+            </a:pPr>
+            <a:r>
+              <a:rPr lang="ru-RU" sz="2600" b="0" i="0" u="none" strike="noStrike" dirty="0">
+                <a:solidFill>
+                  <a:srgbClr val="003399"/>
+                </a:solidFill>
+                <a:effectLst/>
+                <a:latin typeface="+mj-lt"/>
+              </a:rPr>
+              <a:t>У </a:t>
+            </a:r>
+            <a:r>
+              <a:rPr lang="en" sz="2600" b="0" i="0" u="none" strike="noStrike" dirty="0">
+                <a:solidFill>
+                  <a:srgbClr val="003399"/>
+                </a:solidFill>
+                <a:effectLst/>
+                <a:latin typeface="+mj-lt"/>
+              </a:rPr>
+              <a:t>Entity </a:t>
+            </a:r>
+            <a:r>
+              <a:rPr lang="ru-RU" sz="2600" b="0" i="0" u="none" strike="noStrike" dirty="0">
+                <a:solidFill>
+                  <a:srgbClr val="003399"/>
+                </a:solidFill>
+                <a:effectLst/>
+                <a:latin typeface="+mj-lt"/>
+              </a:rPr>
+              <a:t>объекта существует четыре статуса жизненного цикла: </a:t>
+            </a:r>
+            <a:r>
+              <a:rPr lang="en" sz="2600" b="0" i="0" u="none" strike="noStrike" dirty="0">
+                <a:solidFill>
+                  <a:srgbClr val="003399"/>
+                </a:solidFill>
+                <a:effectLst/>
+                <a:latin typeface="+mj-lt"/>
+              </a:rPr>
+              <a:t>new, managed, detached, </a:t>
+            </a:r>
+            <a:r>
+              <a:rPr lang="ru-RU" sz="2600" b="0" i="0" u="none" strike="noStrike" dirty="0">
+                <a:solidFill>
+                  <a:srgbClr val="003399"/>
+                </a:solidFill>
+                <a:effectLst/>
+                <a:latin typeface="+mj-lt"/>
+              </a:rPr>
+              <a:t>или </a:t>
+            </a:r>
+            <a:r>
+              <a:rPr lang="en" sz="2600" b="0" i="0" u="none" strike="noStrike" dirty="0">
+                <a:solidFill>
+                  <a:srgbClr val="003399"/>
+                </a:solidFill>
+                <a:effectLst/>
+                <a:latin typeface="+mj-lt"/>
+              </a:rPr>
+              <a:t>removed. </a:t>
+            </a:r>
+            <a:r>
+              <a:rPr lang="ru-RU" sz="2600" b="0" i="0" u="none" strike="noStrike" dirty="0">
+                <a:solidFill>
+                  <a:srgbClr val="003399"/>
+                </a:solidFill>
+                <a:effectLst/>
+                <a:latin typeface="+mj-lt"/>
+              </a:rPr>
+              <a:t>Их описание</a:t>
+            </a:r>
+            <a:r>
+              <a:rPr lang="en-US" sz="2600" b="0" i="0" u="none" strike="noStrike" dirty="0">
+                <a:solidFill>
+                  <a:srgbClr val="003399"/>
+                </a:solidFill>
+                <a:effectLst/>
+                <a:latin typeface="+mj-lt"/>
+              </a:rPr>
+              <a:t>:</a:t>
+            </a:r>
+            <a:endParaRPr lang="en-US" sz="2600" dirty="0">
+              <a:solidFill>
+                <a:srgbClr val="003399"/>
+              </a:solidFill>
+            </a:endParaRPr>
+          </a:p>
+          <a:p>
+            <a:pPr>
+              <a:buFont typeface="Системный шрифт, обычный"/>
+              <a:buChar char="−"/>
+            </a:pPr>
+            <a:r>
+              <a:rPr lang="en-US" sz="2600" dirty="0">
+                <a:solidFill>
+                  <a:srgbClr val="003399"/>
+                </a:solidFill>
+              </a:rPr>
+              <a:t>new</a:t>
+            </a:r>
+            <a:r>
+              <a:rPr lang="en" sz="2600" b="0" i="0" u="none" strike="noStrike" dirty="0">
+                <a:solidFill>
+                  <a:srgbClr val="003399"/>
+                </a:solidFill>
+                <a:effectLst/>
+                <a:latin typeface="+mj-lt"/>
+              </a:rPr>
+              <a:t> — </a:t>
+            </a:r>
+            <a:r>
+              <a:rPr lang="ru-RU" sz="2600" b="0" i="0" u="none" strike="noStrike" dirty="0">
+                <a:solidFill>
+                  <a:srgbClr val="003399"/>
+                </a:solidFill>
+                <a:effectLst/>
+                <a:latin typeface="+mj-lt"/>
+              </a:rPr>
+              <a:t>объект создан, но при этом ещё не имеет сгенерированных первичных ключей и пока ещё не сохранен в базе данных,</a:t>
+            </a:r>
+            <a:endParaRPr lang="en-US" sz="2600" b="0" i="0" u="none" strike="noStrike" dirty="0">
+              <a:solidFill>
+                <a:srgbClr val="003399"/>
+              </a:solidFill>
+              <a:effectLst/>
+              <a:latin typeface="+mj-lt"/>
+            </a:endParaRPr>
+          </a:p>
+          <a:p>
+            <a:pPr>
+              <a:buFont typeface="Системный шрифт, обычный"/>
+              <a:buChar char="−"/>
+            </a:pPr>
+            <a:r>
+              <a:rPr lang="en" sz="2600" b="0" i="0" u="none" strike="noStrike" dirty="0">
+                <a:solidFill>
+                  <a:srgbClr val="003399"/>
+                </a:solidFill>
+                <a:effectLst/>
+                <a:latin typeface="+mj-lt"/>
+              </a:rPr>
+              <a:t>managed — </a:t>
+            </a:r>
+            <a:r>
+              <a:rPr lang="ru-RU" sz="2600" b="0" i="0" u="none" strike="noStrike" dirty="0">
+                <a:solidFill>
+                  <a:srgbClr val="003399"/>
+                </a:solidFill>
+                <a:effectLst/>
+                <a:latin typeface="+mj-lt"/>
+              </a:rPr>
+              <a:t>объект создан, управляется </a:t>
+            </a:r>
+            <a:r>
+              <a:rPr lang="en" sz="2600" b="0" i="0" u="none" strike="noStrike" dirty="0">
+                <a:solidFill>
+                  <a:srgbClr val="003399"/>
+                </a:solidFill>
+                <a:effectLst/>
+                <a:latin typeface="+mj-lt"/>
+              </a:rPr>
+              <a:t>JPA, </a:t>
+            </a:r>
+            <a:r>
+              <a:rPr lang="ru-RU" sz="2600" b="0" i="0" u="none" strike="noStrike" dirty="0">
+                <a:solidFill>
+                  <a:srgbClr val="003399"/>
+                </a:solidFill>
+                <a:effectLst/>
+                <a:latin typeface="+mj-lt"/>
+              </a:rPr>
+              <a:t>имеет сгенерированные первичные ключи</a:t>
+            </a:r>
+            <a:r>
+              <a:rPr lang="en-US" sz="2600" dirty="0">
+                <a:solidFill>
+                  <a:srgbClr val="003399"/>
+                </a:solidFill>
+              </a:rPr>
+              <a:t>. </a:t>
+            </a:r>
+            <a:r>
+              <a:rPr lang="ru-RU" sz="2600" dirty="0">
+                <a:solidFill>
+                  <a:srgbClr val="003399"/>
+                </a:solidFill>
+              </a:rPr>
+              <a:t>После метода </a:t>
+            </a:r>
+            <a:r>
+              <a:rPr lang="en-US" sz="2600" dirty="0">
+                <a:solidFill>
+                  <a:srgbClr val="003399"/>
+                </a:solidFill>
+              </a:rPr>
+              <a:t>.persist()</a:t>
+            </a:r>
+          </a:p>
+          <a:p>
+            <a:pPr>
+              <a:buFont typeface="Системный шрифт, обычный"/>
+              <a:buChar char="−"/>
+            </a:pPr>
+            <a:r>
+              <a:rPr lang="en" sz="2600" b="0" i="0" u="none" strike="noStrike" dirty="0">
+                <a:solidFill>
+                  <a:srgbClr val="003399"/>
+                </a:solidFill>
+                <a:effectLst/>
+                <a:latin typeface="+mj-lt"/>
+              </a:rPr>
+              <a:t>detached — </a:t>
+            </a:r>
+            <a:r>
+              <a:rPr lang="ru-RU" sz="2600" b="0" i="0" u="none" strike="noStrike" dirty="0">
+                <a:solidFill>
+                  <a:srgbClr val="003399"/>
+                </a:solidFill>
+                <a:effectLst/>
+                <a:latin typeface="+mj-lt"/>
+              </a:rPr>
+              <a:t>после метода </a:t>
+            </a:r>
+            <a:r>
+              <a:rPr lang="en-US" sz="2600" b="0" i="0" u="none" strike="noStrike" dirty="0">
+                <a:solidFill>
+                  <a:srgbClr val="003399"/>
+                </a:solidFill>
+                <a:effectLst/>
+                <a:latin typeface="+mj-lt"/>
+              </a:rPr>
+              <a:t>.detach</a:t>
+            </a:r>
+            <a:r>
+              <a:rPr lang="ru-RU" sz="2600" dirty="0">
+                <a:solidFill>
+                  <a:srgbClr val="003399"/>
+                </a:solidFill>
+              </a:rPr>
+              <a:t>, или закрыли </a:t>
+            </a:r>
+            <a:r>
+              <a:rPr lang="en-US" sz="2600" dirty="0" err="1">
+                <a:solidFill>
+                  <a:srgbClr val="003399"/>
+                </a:solidFill>
+              </a:rPr>
+              <a:t>EntityManager</a:t>
+            </a:r>
+            <a:endParaRPr lang="en" sz="2600" b="0" i="0" u="none" strike="noStrike" dirty="0">
+              <a:solidFill>
+                <a:srgbClr val="003399"/>
+              </a:solidFill>
+              <a:effectLst/>
+              <a:latin typeface="+mj-lt"/>
+            </a:endParaRPr>
+          </a:p>
+          <a:p>
+            <a:pPr>
+              <a:buFont typeface="Системный шрифт, обычный"/>
+              <a:buChar char="−"/>
+            </a:pPr>
+            <a:r>
+              <a:rPr lang="en" sz="2600" b="0" i="0" u="none" strike="noStrike" dirty="0">
+                <a:solidFill>
+                  <a:srgbClr val="003399"/>
+                </a:solidFill>
+                <a:effectLst/>
+                <a:latin typeface="+mj-lt"/>
+              </a:rPr>
+              <a:t>removed — </a:t>
+            </a:r>
+            <a:r>
+              <a:rPr lang="ru-RU" sz="2600" b="0" i="0" u="none" strike="noStrike" dirty="0">
+                <a:solidFill>
+                  <a:srgbClr val="003399"/>
+                </a:solidFill>
+                <a:effectLst/>
+                <a:latin typeface="+mj-lt"/>
+              </a:rPr>
+              <a:t>объект создан, управляется </a:t>
+            </a:r>
+            <a:r>
+              <a:rPr lang="en" sz="2600" b="0" i="0" u="none" strike="noStrike" dirty="0">
+                <a:solidFill>
+                  <a:srgbClr val="003399"/>
+                </a:solidFill>
+                <a:effectLst/>
+                <a:latin typeface="+mj-lt"/>
+              </a:rPr>
+              <a:t>JPA, </a:t>
+            </a:r>
+            <a:r>
+              <a:rPr lang="ru-RU" sz="2600" b="0" i="0" u="none" strike="noStrike" dirty="0">
+                <a:solidFill>
+                  <a:srgbClr val="003399"/>
+                </a:solidFill>
+                <a:effectLst/>
+                <a:latin typeface="+mj-lt"/>
+              </a:rPr>
+              <a:t>но будет удален после метода </a:t>
+            </a:r>
+            <a:r>
+              <a:rPr lang="en-US" sz="2600" b="0" i="0" u="none" strike="noStrike" dirty="0">
+                <a:solidFill>
+                  <a:srgbClr val="003399"/>
+                </a:solidFill>
+                <a:effectLst/>
+                <a:latin typeface="+mj-lt"/>
+              </a:rPr>
+              <a:t>.remove()</a:t>
+            </a:r>
+            <a:endParaRPr lang="en" sz="2600" b="0" i="0" u="none" strike="noStrike" dirty="0">
+              <a:solidFill>
+                <a:srgbClr val="003399"/>
+              </a:solidFill>
+              <a:effectLst/>
+              <a:latin typeface="+mj-lt"/>
+            </a:endParaRPr>
+          </a:p>
+        </p:txBody>
+      </p:sp>
+    </p:spTree>
+    <p:extLst>
+      <p:ext uri="{BB962C8B-B14F-4D97-AF65-F5344CB8AC3E}">
+        <p14:creationId xmlns:p14="http://schemas.microsoft.com/office/powerpoint/2010/main" val="3598551846"/>
       </p:ext>
     </p:extLst>
   </p:cSld>
